--- a/docs/Milestone 4.pptx
+++ b/docs/Milestone 4.pptx
@@ -126,9 +126,7 @@
 
 <file path=ppt/commentAuthors.xml><?xml version="1.0" encoding="utf-8"?>
 <p:cmAuthorLst xmlns:a="http://schemas.openxmlformats.org/drawingml/2006/main" xmlns:r="http://schemas.openxmlformats.org/officeDocument/2006/relationships" xmlns:p="http://schemas.openxmlformats.org/presentationml/2006/main">
-  <p:cmAuthor id="1" name="Antonio Raffaele Iacovazzi" initials="ARI" lastIdx="16" clrIdx="0">
-    <p:extLst/>
-  </p:cmAuthor>
+  <p:cmAuthor id="1" name="Antonio Raffaele Iacovazzi" initials="ARI" lastIdx="16" clrIdx="0"/>
 </p:cmAuthorLst>
 </file>
 
@@ -278,35 +276,35 @@
           <a:p>
             <a:pPr lvl="0"/>
             <a:r>
-              <a:rPr lang="it-IT" smtClean="0"/>
+              <a:rPr lang="it-IT"/>
               <a:t>Fare clic per modificare gli stili del testo dello schema</a:t>
             </a:r>
           </a:p>
           <a:p>
             <a:pPr lvl="1"/>
             <a:r>
-              <a:rPr lang="it-IT" smtClean="0"/>
+              <a:rPr lang="it-IT"/>
               <a:t>Secondo livello</a:t>
             </a:r>
           </a:p>
           <a:p>
             <a:pPr lvl="2"/>
             <a:r>
-              <a:rPr lang="it-IT" smtClean="0"/>
+              <a:rPr lang="it-IT"/>
               <a:t>Terzo livello</a:t>
             </a:r>
           </a:p>
           <a:p>
             <a:pPr lvl="3"/>
             <a:r>
-              <a:rPr lang="it-IT" smtClean="0"/>
+              <a:rPr lang="it-IT"/>
               <a:t>Quarto livello</a:t>
             </a:r>
           </a:p>
           <a:p>
             <a:pPr lvl="4"/>
             <a:r>
-              <a:rPr lang="it-IT" smtClean="0"/>
+              <a:rPr lang="it-IT"/>
               <a:t>Quinto livello</a:t>
             </a:r>
             <a:endParaRPr lang="en-GB"/>
@@ -373,7 +371,7 @@
           <a:p>
             <a:fld id="{81134C7B-08A5-0143-B2DB-24883E593BD1}" type="slidenum">
               <a:rPr lang="en-GB" smtClean="0"/>
-              <a:t>‹n.›</a:t>
+              <a:t>‹N›</a:t>
             </a:fld>
             <a:endParaRPr lang="en-GB"/>
           </a:p>
@@ -504,7 +502,7 @@
           <p:cNvPr id="2" name="Titolo 1">
             <a:extLst>
               <a:ext uri="{FF2B5EF4-FFF2-40B4-BE49-F238E27FC236}">
-                <a16:creationId xmlns:a16="http://schemas.microsoft.com/office/drawing/2014/main" xmlns="" id="{A5856E15-36F6-B52E-4F8C-0D4E2494A137}"/>
+                <a16:creationId xmlns:a16="http://schemas.microsoft.com/office/drawing/2014/main" id="{A5856E15-36F6-B52E-4F8C-0D4E2494A137}"/>
               </a:ext>
             </a:extLst>
           </p:cNvPr>
@@ -541,7 +539,7 @@
           <p:cNvPr id="3" name="Sottotitolo 2">
             <a:extLst>
               <a:ext uri="{FF2B5EF4-FFF2-40B4-BE49-F238E27FC236}">
-                <a16:creationId xmlns:a16="http://schemas.microsoft.com/office/drawing/2014/main" xmlns="" id="{6298409D-2EC7-14D2-2521-512DE8ADBFC2}"/>
+                <a16:creationId xmlns:a16="http://schemas.microsoft.com/office/drawing/2014/main" id="{6298409D-2EC7-14D2-2521-512DE8ADBFC2}"/>
               </a:ext>
             </a:extLst>
           </p:cNvPr>
@@ -611,7 +609,7 @@
           <p:cNvPr id="4" name="Segnaposto data 3">
             <a:extLst>
               <a:ext uri="{FF2B5EF4-FFF2-40B4-BE49-F238E27FC236}">
-                <a16:creationId xmlns:a16="http://schemas.microsoft.com/office/drawing/2014/main" xmlns="" id="{D4A6DCE1-64B1-B546-A245-114581DBAAC5}"/>
+                <a16:creationId xmlns:a16="http://schemas.microsoft.com/office/drawing/2014/main" id="{D4A6DCE1-64B1-B546-A245-114581DBAAC5}"/>
               </a:ext>
             </a:extLst>
           </p:cNvPr>
@@ -629,7 +627,7 @@
           <a:p>
             <a:fld id="{4162ED4E-8BC0-4D11-A5C7-39002C316D74}" type="datetimeFigureOut">
               <a:rPr lang="it-IT" smtClean="0"/>
-              <a:t>23/11/22</a:t>
+              <a:t>23/11/2022</a:t>
             </a:fld>
             <a:endParaRPr lang="it-IT"/>
           </a:p>
@@ -640,7 +638,7 @@
           <p:cNvPr id="5" name="Segnaposto piè di pagina 4">
             <a:extLst>
               <a:ext uri="{FF2B5EF4-FFF2-40B4-BE49-F238E27FC236}">
-                <a16:creationId xmlns:a16="http://schemas.microsoft.com/office/drawing/2014/main" xmlns="" id="{91767226-9C11-3794-DA06-5749189B3C1C}"/>
+                <a16:creationId xmlns:a16="http://schemas.microsoft.com/office/drawing/2014/main" id="{91767226-9C11-3794-DA06-5749189B3C1C}"/>
               </a:ext>
             </a:extLst>
           </p:cNvPr>
@@ -665,7 +663,7 @@
           <p:cNvPr id="6" name="Segnaposto numero diapositiva 5">
             <a:extLst>
               <a:ext uri="{FF2B5EF4-FFF2-40B4-BE49-F238E27FC236}">
-                <a16:creationId xmlns:a16="http://schemas.microsoft.com/office/drawing/2014/main" xmlns="" id="{81D03395-B85A-79C2-9061-9FE5E0193D90}"/>
+                <a16:creationId xmlns:a16="http://schemas.microsoft.com/office/drawing/2014/main" id="{81D03395-B85A-79C2-9061-9FE5E0193D90}"/>
               </a:ext>
             </a:extLst>
           </p:cNvPr>
@@ -683,7 +681,7 @@
           <a:p>
             <a:fld id="{EDA6FB6F-2AD8-4BD0-8A2C-0F89ADB074C9}" type="slidenum">
               <a:rPr lang="it-IT" smtClean="0"/>
-              <a:t>‹n.›</a:t>
+              <a:t>‹N›</a:t>
             </a:fld>
             <a:endParaRPr lang="it-IT"/>
           </a:p>
@@ -724,7 +722,7 @@
           <p:cNvPr id="2" name="Titolo 1">
             <a:extLst>
               <a:ext uri="{FF2B5EF4-FFF2-40B4-BE49-F238E27FC236}">
-                <a16:creationId xmlns:a16="http://schemas.microsoft.com/office/drawing/2014/main" xmlns="" id="{89B2AE1D-BC8B-29E2-CAAF-E2F7680455E2}"/>
+                <a16:creationId xmlns:a16="http://schemas.microsoft.com/office/drawing/2014/main" id="{89B2AE1D-BC8B-29E2-CAAF-E2F7680455E2}"/>
               </a:ext>
             </a:extLst>
           </p:cNvPr>
@@ -752,7 +750,7 @@
           <p:cNvPr id="3" name="Segnaposto testo verticale 2">
             <a:extLst>
               <a:ext uri="{FF2B5EF4-FFF2-40B4-BE49-F238E27FC236}">
-                <a16:creationId xmlns:a16="http://schemas.microsoft.com/office/drawing/2014/main" xmlns="" id="{44EE1E66-B07F-343A-8330-16E4AE5DA359}"/>
+                <a16:creationId xmlns:a16="http://schemas.microsoft.com/office/drawing/2014/main" id="{44EE1E66-B07F-343A-8330-16E4AE5DA359}"/>
               </a:ext>
             </a:extLst>
           </p:cNvPr>
@@ -809,7 +807,7 @@
           <p:cNvPr id="4" name="Segnaposto data 3">
             <a:extLst>
               <a:ext uri="{FF2B5EF4-FFF2-40B4-BE49-F238E27FC236}">
-                <a16:creationId xmlns:a16="http://schemas.microsoft.com/office/drawing/2014/main" xmlns="" id="{AB2A3F00-70E5-85BB-4A9F-35044656D887}"/>
+                <a16:creationId xmlns:a16="http://schemas.microsoft.com/office/drawing/2014/main" id="{AB2A3F00-70E5-85BB-4A9F-35044656D887}"/>
               </a:ext>
             </a:extLst>
           </p:cNvPr>
@@ -827,7 +825,7 @@
           <a:p>
             <a:fld id="{4162ED4E-8BC0-4D11-A5C7-39002C316D74}" type="datetimeFigureOut">
               <a:rPr lang="it-IT" smtClean="0"/>
-              <a:t>23/11/22</a:t>
+              <a:t>23/11/2022</a:t>
             </a:fld>
             <a:endParaRPr lang="it-IT"/>
           </a:p>
@@ -838,7 +836,7 @@
           <p:cNvPr id="5" name="Segnaposto piè di pagina 4">
             <a:extLst>
               <a:ext uri="{FF2B5EF4-FFF2-40B4-BE49-F238E27FC236}">
-                <a16:creationId xmlns:a16="http://schemas.microsoft.com/office/drawing/2014/main" xmlns="" id="{7B661847-4401-86D1-D2DB-A19398D44A11}"/>
+                <a16:creationId xmlns:a16="http://schemas.microsoft.com/office/drawing/2014/main" id="{7B661847-4401-86D1-D2DB-A19398D44A11}"/>
               </a:ext>
             </a:extLst>
           </p:cNvPr>
@@ -863,7 +861,7 @@
           <p:cNvPr id="6" name="Segnaposto numero diapositiva 5">
             <a:extLst>
               <a:ext uri="{FF2B5EF4-FFF2-40B4-BE49-F238E27FC236}">
-                <a16:creationId xmlns:a16="http://schemas.microsoft.com/office/drawing/2014/main" xmlns="" id="{7A10E2AE-5CAC-7BFC-A00C-72BF83C023FB}"/>
+                <a16:creationId xmlns:a16="http://schemas.microsoft.com/office/drawing/2014/main" id="{7A10E2AE-5CAC-7BFC-A00C-72BF83C023FB}"/>
               </a:ext>
             </a:extLst>
           </p:cNvPr>
@@ -881,7 +879,7 @@
           <a:p>
             <a:fld id="{EDA6FB6F-2AD8-4BD0-8A2C-0F89ADB074C9}" type="slidenum">
               <a:rPr lang="it-IT" smtClean="0"/>
-              <a:t>‹n.›</a:t>
+              <a:t>‹N›</a:t>
             </a:fld>
             <a:endParaRPr lang="it-IT"/>
           </a:p>
@@ -922,7 +920,7 @@
           <p:cNvPr id="2" name="Titolo verticale 1">
             <a:extLst>
               <a:ext uri="{FF2B5EF4-FFF2-40B4-BE49-F238E27FC236}">
-                <a16:creationId xmlns:a16="http://schemas.microsoft.com/office/drawing/2014/main" xmlns="" id="{7B01F554-4C91-632A-2F0E-972AF3D8A515}"/>
+                <a16:creationId xmlns:a16="http://schemas.microsoft.com/office/drawing/2014/main" id="{7B01F554-4C91-632A-2F0E-972AF3D8A515}"/>
               </a:ext>
             </a:extLst>
           </p:cNvPr>
@@ -955,7 +953,7 @@
           <p:cNvPr id="3" name="Segnaposto testo verticale 2">
             <a:extLst>
               <a:ext uri="{FF2B5EF4-FFF2-40B4-BE49-F238E27FC236}">
-                <a16:creationId xmlns:a16="http://schemas.microsoft.com/office/drawing/2014/main" xmlns="" id="{6192B37F-FCB9-E79D-A43B-A6F7A168ED28}"/>
+                <a16:creationId xmlns:a16="http://schemas.microsoft.com/office/drawing/2014/main" id="{6192B37F-FCB9-E79D-A43B-A6F7A168ED28}"/>
               </a:ext>
             </a:extLst>
           </p:cNvPr>
@@ -1017,7 +1015,7 @@
           <p:cNvPr id="4" name="Segnaposto data 3">
             <a:extLst>
               <a:ext uri="{FF2B5EF4-FFF2-40B4-BE49-F238E27FC236}">
-                <a16:creationId xmlns:a16="http://schemas.microsoft.com/office/drawing/2014/main" xmlns="" id="{72F57BEB-C18C-0DCF-5673-13ABF10A0AE4}"/>
+                <a16:creationId xmlns:a16="http://schemas.microsoft.com/office/drawing/2014/main" id="{72F57BEB-C18C-0DCF-5673-13ABF10A0AE4}"/>
               </a:ext>
             </a:extLst>
           </p:cNvPr>
@@ -1035,7 +1033,7 @@
           <a:p>
             <a:fld id="{4162ED4E-8BC0-4D11-A5C7-39002C316D74}" type="datetimeFigureOut">
               <a:rPr lang="it-IT" smtClean="0"/>
-              <a:t>23/11/22</a:t>
+              <a:t>23/11/2022</a:t>
             </a:fld>
             <a:endParaRPr lang="it-IT"/>
           </a:p>
@@ -1046,7 +1044,7 @@
           <p:cNvPr id="5" name="Segnaposto piè di pagina 4">
             <a:extLst>
               <a:ext uri="{FF2B5EF4-FFF2-40B4-BE49-F238E27FC236}">
-                <a16:creationId xmlns:a16="http://schemas.microsoft.com/office/drawing/2014/main" xmlns="" id="{711E27C6-789B-6D24-E67F-E563CC848AE7}"/>
+                <a16:creationId xmlns:a16="http://schemas.microsoft.com/office/drawing/2014/main" id="{711E27C6-789B-6D24-E67F-E563CC848AE7}"/>
               </a:ext>
             </a:extLst>
           </p:cNvPr>
@@ -1071,7 +1069,7 @@
           <p:cNvPr id="6" name="Segnaposto numero diapositiva 5">
             <a:extLst>
               <a:ext uri="{FF2B5EF4-FFF2-40B4-BE49-F238E27FC236}">
-                <a16:creationId xmlns:a16="http://schemas.microsoft.com/office/drawing/2014/main" xmlns="" id="{ACDD3F04-617B-9DB7-6F9B-20FFE597CAB5}"/>
+                <a16:creationId xmlns:a16="http://schemas.microsoft.com/office/drawing/2014/main" id="{ACDD3F04-617B-9DB7-6F9B-20FFE597CAB5}"/>
               </a:ext>
             </a:extLst>
           </p:cNvPr>
@@ -1089,7 +1087,7 @@
           <a:p>
             <a:fld id="{EDA6FB6F-2AD8-4BD0-8A2C-0F89ADB074C9}" type="slidenum">
               <a:rPr lang="it-IT" smtClean="0"/>
-              <a:t>‹n.›</a:t>
+              <a:t>‹N›</a:t>
             </a:fld>
             <a:endParaRPr lang="it-IT"/>
           </a:p>
@@ -1130,7 +1128,7 @@
           <p:cNvPr id="2" name="Titolo 1">
             <a:extLst>
               <a:ext uri="{FF2B5EF4-FFF2-40B4-BE49-F238E27FC236}">
-                <a16:creationId xmlns:a16="http://schemas.microsoft.com/office/drawing/2014/main" xmlns="" id="{A4AFFF0A-8E4E-AF71-99AE-FF2FFA92567E}"/>
+                <a16:creationId xmlns:a16="http://schemas.microsoft.com/office/drawing/2014/main" id="{A4AFFF0A-8E4E-AF71-99AE-FF2FFA92567E}"/>
               </a:ext>
             </a:extLst>
           </p:cNvPr>
@@ -1158,7 +1156,7 @@
           <p:cNvPr id="3" name="Segnaposto contenuto 2">
             <a:extLst>
               <a:ext uri="{FF2B5EF4-FFF2-40B4-BE49-F238E27FC236}">
-                <a16:creationId xmlns:a16="http://schemas.microsoft.com/office/drawing/2014/main" xmlns="" id="{95AAE621-0850-4595-6F74-2328CD96CC03}"/>
+                <a16:creationId xmlns:a16="http://schemas.microsoft.com/office/drawing/2014/main" id="{95AAE621-0850-4595-6F74-2328CD96CC03}"/>
               </a:ext>
             </a:extLst>
           </p:cNvPr>
@@ -1215,7 +1213,7 @@
           <p:cNvPr id="4" name="Segnaposto data 3">
             <a:extLst>
               <a:ext uri="{FF2B5EF4-FFF2-40B4-BE49-F238E27FC236}">
-                <a16:creationId xmlns:a16="http://schemas.microsoft.com/office/drawing/2014/main" xmlns="" id="{97DAFFF8-B937-BB97-5063-D1F0DC558558}"/>
+                <a16:creationId xmlns:a16="http://schemas.microsoft.com/office/drawing/2014/main" id="{97DAFFF8-B937-BB97-5063-D1F0DC558558}"/>
               </a:ext>
             </a:extLst>
           </p:cNvPr>
@@ -1233,7 +1231,7 @@
           <a:p>
             <a:fld id="{4162ED4E-8BC0-4D11-A5C7-39002C316D74}" type="datetimeFigureOut">
               <a:rPr lang="it-IT" smtClean="0"/>
-              <a:t>23/11/22</a:t>
+              <a:t>23/11/2022</a:t>
             </a:fld>
             <a:endParaRPr lang="it-IT"/>
           </a:p>
@@ -1244,7 +1242,7 @@
           <p:cNvPr id="5" name="Segnaposto piè di pagina 4">
             <a:extLst>
               <a:ext uri="{FF2B5EF4-FFF2-40B4-BE49-F238E27FC236}">
-                <a16:creationId xmlns:a16="http://schemas.microsoft.com/office/drawing/2014/main" xmlns="" id="{AB88C178-D17C-4F9C-1EB1-E0F7D6EC237E}"/>
+                <a16:creationId xmlns:a16="http://schemas.microsoft.com/office/drawing/2014/main" id="{AB88C178-D17C-4F9C-1EB1-E0F7D6EC237E}"/>
               </a:ext>
             </a:extLst>
           </p:cNvPr>
@@ -1269,7 +1267,7 @@
           <p:cNvPr id="6" name="Segnaposto numero diapositiva 5">
             <a:extLst>
               <a:ext uri="{FF2B5EF4-FFF2-40B4-BE49-F238E27FC236}">
-                <a16:creationId xmlns:a16="http://schemas.microsoft.com/office/drawing/2014/main" xmlns="" id="{8135BB4F-2706-8ECE-8EF5-ABBFBC4037FE}"/>
+                <a16:creationId xmlns:a16="http://schemas.microsoft.com/office/drawing/2014/main" id="{8135BB4F-2706-8ECE-8EF5-ABBFBC4037FE}"/>
               </a:ext>
             </a:extLst>
           </p:cNvPr>
@@ -1287,7 +1285,7 @@
           <a:p>
             <a:fld id="{EDA6FB6F-2AD8-4BD0-8A2C-0F89ADB074C9}" type="slidenum">
               <a:rPr lang="it-IT" smtClean="0"/>
-              <a:t>‹n.›</a:t>
+              <a:t>‹N›</a:t>
             </a:fld>
             <a:endParaRPr lang="it-IT"/>
           </a:p>
@@ -1328,7 +1326,7 @@
           <p:cNvPr id="2" name="Titolo 1">
             <a:extLst>
               <a:ext uri="{FF2B5EF4-FFF2-40B4-BE49-F238E27FC236}">
-                <a16:creationId xmlns:a16="http://schemas.microsoft.com/office/drawing/2014/main" xmlns="" id="{D565DFEE-8654-9A40-1C43-4EC1940B5F4B}"/>
+                <a16:creationId xmlns:a16="http://schemas.microsoft.com/office/drawing/2014/main" id="{D565DFEE-8654-9A40-1C43-4EC1940B5F4B}"/>
               </a:ext>
             </a:extLst>
           </p:cNvPr>
@@ -1365,7 +1363,7 @@
           <p:cNvPr id="3" name="Segnaposto testo 2">
             <a:extLst>
               <a:ext uri="{FF2B5EF4-FFF2-40B4-BE49-F238E27FC236}">
-                <a16:creationId xmlns:a16="http://schemas.microsoft.com/office/drawing/2014/main" xmlns="" id="{CFB3EF10-AAB5-6CC0-28D8-924C00EAB047}"/>
+                <a16:creationId xmlns:a16="http://schemas.microsoft.com/office/drawing/2014/main" id="{CFB3EF10-AAB5-6CC0-28D8-924C00EAB047}"/>
               </a:ext>
             </a:extLst>
           </p:cNvPr>
@@ -1490,7 +1488,7 @@
           <p:cNvPr id="4" name="Segnaposto data 3">
             <a:extLst>
               <a:ext uri="{FF2B5EF4-FFF2-40B4-BE49-F238E27FC236}">
-                <a16:creationId xmlns:a16="http://schemas.microsoft.com/office/drawing/2014/main" xmlns="" id="{957EB737-F017-7269-1C37-C690C23AD1C6}"/>
+                <a16:creationId xmlns:a16="http://schemas.microsoft.com/office/drawing/2014/main" id="{957EB737-F017-7269-1C37-C690C23AD1C6}"/>
               </a:ext>
             </a:extLst>
           </p:cNvPr>
@@ -1508,7 +1506,7 @@
           <a:p>
             <a:fld id="{4162ED4E-8BC0-4D11-A5C7-39002C316D74}" type="datetimeFigureOut">
               <a:rPr lang="it-IT" smtClean="0"/>
-              <a:t>23/11/22</a:t>
+              <a:t>23/11/2022</a:t>
             </a:fld>
             <a:endParaRPr lang="it-IT"/>
           </a:p>
@@ -1519,7 +1517,7 @@
           <p:cNvPr id="5" name="Segnaposto piè di pagina 4">
             <a:extLst>
               <a:ext uri="{FF2B5EF4-FFF2-40B4-BE49-F238E27FC236}">
-                <a16:creationId xmlns:a16="http://schemas.microsoft.com/office/drawing/2014/main" xmlns="" id="{B22E2177-5CBA-69A4-F167-105BE71D1297}"/>
+                <a16:creationId xmlns:a16="http://schemas.microsoft.com/office/drawing/2014/main" id="{B22E2177-5CBA-69A4-F167-105BE71D1297}"/>
               </a:ext>
             </a:extLst>
           </p:cNvPr>
@@ -1544,7 +1542,7 @@
           <p:cNvPr id="6" name="Segnaposto numero diapositiva 5">
             <a:extLst>
               <a:ext uri="{FF2B5EF4-FFF2-40B4-BE49-F238E27FC236}">
-                <a16:creationId xmlns:a16="http://schemas.microsoft.com/office/drawing/2014/main" xmlns="" id="{8E2FE18A-40FF-9E06-E4CF-EF5C3A6F0856}"/>
+                <a16:creationId xmlns:a16="http://schemas.microsoft.com/office/drawing/2014/main" id="{8E2FE18A-40FF-9E06-E4CF-EF5C3A6F0856}"/>
               </a:ext>
             </a:extLst>
           </p:cNvPr>
@@ -1562,7 +1560,7 @@
           <a:p>
             <a:fld id="{EDA6FB6F-2AD8-4BD0-8A2C-0F89ADB074C9}" type="slidenum">
               <a:rPr lang="it-IT" smtClean="0"/>
-              <a:t>‹n.›</a:t>
+              <a:t>‹N›</a:t>
             </a:fld>
             <a:endParaRPr lang="it-IT"/>
           </a:p>
@@ -1603,7 +1601,7 @@
           <p:cNvPr id="2" name="Titolo 1">
             <a:extLst>
               <a:ext uri="{FF2B5EF4-FFF2-40B4-BE49-F238E27FC236}">
-                <a16:creationId xmlns:a16="http://schemas.microsoft.com/office/drawing/2014/main" xmlns="" id="{E5D53DDF-CFDD-750E-6882-02BFD3525532}"/>
+                <a16:creationId xmlns:a16="http://schemas.microsoft.com/office/drawing/2014/main" id="{E5D53DDF-CFDD-750E-6882-02BFD3525532}"/>
               </a:ext>
             </a:extLst>
           </p:cNvPr>
@@ -1631,7 +1629,7 @@
           <p:cNvPr id="3" name="Segnaposto contenuto 2">
             <a:extLst>
               <a:ext uri="{FF2B5EF4-FFF2-40B4-BE49-F238E27FC236}">
-                <a16:creationId xmlns:a16="http://schemas.microsoft.com/office/drawing/2014/main" xmlns="" id="{CED89CBA-AAD3-9ED1-9F82-65BBE5BCD50B}"/>
+                <a16:creationId xmlns:a16="http://schemas.microsoft.com/office/drawing/2014/main" id="{CED89CBA-AAD3-9ED1-9F82-65BBE5BCD50B}"/>
               </a:ext>
             </a:extLst>
           </p:cNvPr>
@@ -1693,7 +1691,7 @@
           <p:cNvPr id="4" name="Segnaposto contenuto 3">
             <a:extLst>
               <a:ext uri="{FF2B5EF4-FFF2-40B4-BE49-F238E27FC236}">
-                <a16:creationId xmlns:a16="http://schemas.microsoft.com/office/drawing/2014/main" xmlns="" id="{A25E8015-87FC-A1B3-B088-CFA13E2D45F2}"/>
+                <a16:creationId xmlns:a16="http://schemas.microsoft.com/office/drawing/2014/main" id="{A25E8015-87FC-A1B3-B088-CFA13E2D45F2}"/>
               </a:ext>
             </a:extLst>
           </p:cNvPr>
@@ -1755,7 +1753,7 @@
           <p:cNvPr id="5" name="Segnaposto data 4">
             <a:extLst>
               <a:ext uri="{FF2B5EF4-FFF2-40B4-BE49-F238E27FC236}">
-                <a16:creationId xmlns:a16="http://schemas.microsoft.com/office/drawing/2014/main" xmlns="" id="{E9917C88-11CD-E2CD-F933-A59125E17088}"/>
+                <a16:creationId xmlns:a16="http://schemas.microsoft.com/office/drawing/2014/main" id="{E9917C88-11CD-E2CD-F933-A59125E17088}"/>
               </a:ext>
             </a:extLst>
           </p:cNvPr>
@@ -1773,7 +1771,7 @@
           <a:p>
             <a:fld id="{4162ED4E-8BC0-4D11-A5C7-39002C316D74}" type="datetimeFigureOut">
               <a:rPr lang="it-IT" smtClean="0"/>
-              <a:t>23/11/22</a:t>
+              <a:t>23/11/2022</a:t>
             </a:fld>
             <a:endParaRPr lang="it-IT"/>
           </a:p>
@@ -1784,7 +1782,7 @@
           <p:cNvPr id="6" name="Segnaposto piè di pagina 5">
             <a:extLst>
               <a:ext uri="{FF2B5EF4-FFF2-40B4-BE49-F238E27FC236}">
-                <a16:creationId xmlns:a16="http://schemas.microsoft.com/office/drawing/2014/main" xmlns="" id="{F29F936A-94A0-5B1B-976B-03C9596875A0}"/>
+                <a16:creationId xmlns:a16="http://schemas.microsoft.com/office/drawing/2014/main" id="{F29F936A-94A0-5B1B-976B-03C9596875A0}"/>
               </a:ext>
             </a:extLst>
           </p:cNvPr>
@@ -1809,7 +1807,7 @@
           <p:cNvPr id="7" name="Segnaposto numero diapositiva 6">
             <a:extLst>
               <a:ext uri="{FF2B5EF4-FFF2-40B4-BE49-F238E27FC236}">
-                <a16:creationId xmlns:a16="http://schemas.microsoft.com/office/drawing/2014/main" xmlns="" id="{29756D61-2B90-EF8D-14BB-106DF38247E8}"/>
+                <a16:creationId xmlns:a16="http://schemas.microsoft.com/office/drawing/2014/main" id="{29756D61-2B90-EF8D-14BB-106DF38247E8}"/>
               </a:ext>
             </a:extLst>
           </p:cNvPr>
@@ -1827,7 +1825,7 @@
           <a:p>
             <a:fld id="{EDA6FB6F-2AD8-4BD0-8A2C-0F89ADB074C9}" type="slidenum">
               <a:rPr lang="it-IT" smtClean="0"/>
-              <a:t>‹n.›</a:t>
+              <a:t>‹N›</a:t>
             </a:fld>
             <a:endParaRPr lang="it-IT"/>
           </a:p>
@@ -1868,7 +1866,7 @@
           <p:cNvPr id="2" name="Titolo 1">
             <a:extLst>
               <a:ext uri="{FF2B5EF4-FFF2-40B4-BE49-F238E27FC236}">
-                <a16:creationId xmlns:a16="http://schemas.microsoft.com/office/drawing/2014/main" xmlns="" id="{F303DD3F-20DE-450B-19E2-A36F792E7AB7}"/>
+                <a16:creationId xmlns:a16="http://schemas.microsoft.com/office/drawing/2014/main" id="{F303DD3F-20DE-450B-19E2-A36F792E7AB7}"/>
               </a:ext>
             </a:extLst>
           </p:cNvPr>
@@ -1901,7 +1899,7 @@
           <p:cNvPr id="3" name="Segnaposto testo 2">
             <a:extLst>
               <a:ext uri="{FF2B5EF4-FFF2-40B4-BE49-F238E27FC236}">
-                <a16:creationId xmlns:a16="http://schemas.microsoft.com/office/drawing/2014/main" xmlns="" id="{D984E972-9192-8B8E-856E-1F5D51B28D8D}"/>
+                <a16:creationId xmlns:a16="http://schemas.microsoft.com/office/drawing/2014/main" id="{D984E972-9192-8B8E-856E-1F5D51B28D8D}"/>
               </a:ext>
             </a:extLst>
           </p:cNvPr>
@@ -1972,7 +1970,7 @@
           <p:cNvPr id="4" name="Segnaposto contenuto 3">
             <a:extLst>
               <a:ext uri="{FF2B5EF4-FFF2-40B4-BE49-F238E27FC236}">
-                <a16:creationId xmlns:a16="http://schemas.microsoft.com/office/drawing/2014/main" xmlns="" id="{508ACB5C-80E9-5E5E-780E-8A79265CA19D}"/>
+                <a16:creationId xmlns:a16="http://schemas.microsoft.com/office/drawing/2014/main" id="{508ACB5C-80E9-5E5E-780E-8A79265CA19D}"/>
               </a:ext>
             </a:extLst>
           </p:cNvPr>
@@ -2034,7 +2032,7 @@
           <p:cNvPr id="5" name="Segnaposto testo 4">
             <a:extLst>
               <a:ext uri="{FF2B5EF4-FFF2-40B4-BE49-F238E27FC236}">
-                <a16:creationId xmlns:a16="http://schemas.microsoft.com/office/drawing/2014/main" xmlns="" id="{A6269D08-C49E-5CFB-51CA-CC56CF5DC7D0}"/>
+                <a16:creationId xmlns:a16="http://schemas.microsoft.com/office/drawing/2014/main" id="{A6269D08-C49E-5CFB-51CA-CC56CF5DC7D0}"/>
               </a:ext>
             </a:extLst>
           </p:cNvPr>
@@ -2105,7 +2103,7 @@
           <p:cNvPr id="6" name="Segnaposto contenuto 5">
             <a:extLst>
               <a:ext uri="{FF2B5EF4-FFF2-40B4-BE49-F238E27FC236}">
-                <a16:creationId xmlns:a16="http://schemas.microsoft.com/office/drawing/2014/main" xmlns="" id="{4F4D26A6-9C38-8CDB-939E-3D5284324660}"/>
+                <a16:creationId xmlns:a16="http://schemas.microsoft.com/office/drawing/2014/main" id="{4F4D26A6-9C38-8CDB-939E-3D5284324660}"/>
               </a:ext>
             </a:extLst>
           </p:cNvPr>
@@ -2167,7 +2165,7 @@
           <p:cNvPr id="7" name="Segnaposto data 6">
             <a:extLst>
               <a:ext uri="{FF2B5EF4-FFF2-40B4-BE49-F238E27FC236}">
-                <a16:creationId xmlns:a16="http://schemas.microsoft.com/office/drawing/2014/main" xmlns="" id="{12112E69-56B7-C34D-9ADE-232E049BB0D1}"/>
+                <a16:creationId xmlns:a16="http://schemas.microsoft.com/office/drawing/2014/main" id="{12112E69-56B7-C34D-9ADE-232E049BB0D1}"/>
               </a:ext>
             </a:extLst>
           </p:cNvPr>
@@ -2185,7 +2183,7 @@
           <a:p>
             <a:fld id="{4162ED4E-8BC0-4D11-A5C7-39002C316D74}" type="datetimeFigureOut">
               <a:rPr lang="it-IT" smtClean="0"/>
-              <a:t>23/11/22</a:t>
+              <a:t>23/11/2022</a:t>
             </a:fld>
             <a:endParaRPr lang="it-IT"/>
           </a:p>
@@ -2196,7 +2194,7 @@
           <p:cNvPr id="8" name="Segnaposto piè di pagina 7">
             <a:extLst>
               <a:ext uri="{FF2B5EF4-FFF2-40B4-BE49-F238E27FC236}">
-                <a16:creationId xmlns:a16="http://schemas.microsoft.com/office/drawing/2014/main" xmlns="" id="{BB7C400B-34D3-8449-F3FF-B871FCF5E0B9}"/>
+                <a16:creationId xmlns:a16="http://schemas.microsoft.com/office/drawing/2014/main" id="{BB7C400B-34D3-8449-F3FF-B871FCF5E0B9}"/>
               </a:ext>
             </a:extLst>
           </p:cNvPr>
@@ -2221,7 +2219,7 @@
           <p:cNvPr id="9" name="Segnaposto numero diapositiva 8">
             <a:extLst>
               <a:ext uri="{FF2B5EF4-FFF2-40B4-BE49-F238E27FC236}">
-                <a16:creationId xmlns:a16="http://schemas.microsoft.com/office/drawing/2014/main" xmlns="" id="{B17332FE-1DD1-761F-2E9D-C6F8FBF541D5}"/>
+                <a16:creationId xmlns:a16="http://schemas.microsoft.com/office/drawing/2014/main" id="{B17332FE-1DD1-761F-2E9D-C6F8FBF541D5}"/>
               </a:ext>
             </a:extLst>
           </p:cNvPr>
@@ -2239,7 +2237,7 @@
           <a:p>
             <a:fld id="{EDA6FB6F-2AD8-4BD0-8A2C-0F89ADB074C9}" type="slidenum">
               <a:rPr lang="it-IT" smtClean="0"/>
-              <a:t>‹n.›</a:t>
+              <a:t>‹N›</a:t>
             </a:fld>
             <a:endParaRPr lang="it-IT"/>
           </a:p>
@@ -2280,7 +2278,7 @@
           <p:cNvPr id="2" name="Titolo 1">
             <a:extLst>
               <a:ext uri="{FF2B5EF4-FFF2-40B4-BE49-F238E27FC236}">
-                <a16:creationId xmlns:a16="http://schemas.microsoft.com/office/drawing/2014/main" xmlns="" id="{762EF4AD-400F-7AA1-A6AB-1D85CD24F1B7}"/>
+                <a16:creationId xmlns:a16="http://schemas.microsoft.com/office/drawing/2014/main" id="{762EF4AD-400F-7AA1-A6AB-1D85CD24F1B7}"/>
               </a:ext>
             </a:extLst>
           </p:cNvPr>
@@ -2308,7 +2306,7 @@
           <p:cNvPr id="3" name="Segnaposto data 2">
             <a:extLst>
               <a:ext uri="{FF2B5EF4-FFF2-40B4-BE49-F238E27FC236}">
-                <a16:creationId xmlns:a16="http://schemas.microsoft.com/office/drawing/2014/main" xmlns="" id="{02FA8C93-ABF7-4F22-A69C-2F2736D58324}"/>
+                <a16:creationId xmlns:a16="http://schemas.microsoft.com/office/drawing/2014/main" id="{02FA8C93-ABF7-4F22-A69C-2F2736D58324}"/>
               </a:ext>
             </a:extLst>
           </p:cNvPr>
@@ -2326,7 +2324,7 @@
           <a:p>
             <a:fld id="{4162ED4E-8BC0-4D11-A5C7-39002C316D74}" type="datetimeFigureOut">
               <a:rPr lang="it-IT" smtClean="0"/>
-              <a:t>23/11/22</a:t>
+              <a:t>23/11/2022</a:t>
             </a:fld>
             <a:endParaRPr lang="it-IT"/>
           </a:p>
@@ -2337,7 +2335,7 @@
           <p:cNvPr id="4" name="Segnaposto piè di pagina 3">
             <a:extLst>
               <a:ext uri="{FF2B5EF4-FFF2-40B4-BE49-F238E27FC236}">
-                <a16:creationId xmlns:a16="http://schemas.microsoft.com/office/drawing/2014/main" xmlns="" id="{674D15FC-EDB3-6A97-1942-33FE191C14FA}"/>
+                <a16:creationId xmlns:a16="http://schemas.microsoft.com/office/drawing/2014/main" id="{674D15FC-EDB3-6A97-1942-33FE191C14FA}"/>
               </a:ext>
             </a:extLst>
           </p:cNvPr>
@@ -2362,7 +2360,7 @@
           <p:cNvPr id="5" name="Segnaposto numero diapositiva 4">
             <a:extLst>
               <a:ext uri="{FF2B5EF4-FFF2-40B4-BE49-F238E27FC236}">
-                <a16:creationId xmlns:a16="http://schemas.microsoft.com/office/drawing/2014/main" xmlns="" id="{1CC8A165-30A5-6703-E930-9CD8A0E2363C}"/>
+                <a16:creationId xmlns:a16="http://schemas.microsoft.com/office/drawing/2014/main" id="{1CC8A165-30A5-6703-E930-9CD8A0E2363C}"/>
               </a:ext>
             </a:extLst>
           </p:cNvPr>
@@ -2380,7 +2378,7 @@
           <a:p>
             <a:fld id="{EDA6FB6F-2AD8-4BD0-8A2C-0F89ADB074C9}" type="slidenum">
               <a:rPr lang="it-IT" smtClean="0"/>
-              <a:t>‹n.›</a:t>
+              <a:t>‹N›</a:t>
             </a:fld>
             <a:endParaRPr lang="it-IT"/>
           </a:p>
@@ -2421,7 +2419,7 @@
           <p:cNvPr id="2" name="Segnaposto data 1">
             <a:extLst>
               <a:ext uri="{FF2B5EF4-FFF2-40B4-BE49-F238E27FC236}">
-                <a16:creationId xmlns:a16="http://schemas.microsoft.com/office/drawing/2014/main" xmlns="" id="{E1840BEB-09AE-9C07-2CFC-578F0256FDA4}"/>
+                <a16:creationId xmlns:a16="http://schemas.microsoft.com/office/drawing/2014/main" id="{E1840BEB-09AE-9C07-2CFC-578F0256FDA4}"/>
               </a:ext>
             </a:extLst>
           </p:cNvPr>
@@ -2439,7 +2437,7 @@
           <a:p>
             <a:fld id="{4162ED4E-8BC0-4D11-A5C7-39002C316D74}" type="datetimeFigureOut">
               <a:rPr lang="it-IT" smtClean="0"/>
-              <a:t>23/11/22</a:t>
+              <a:t>23/11/2022</a:t>
             </a:fld>
             <a:endParaRPr lang="it-IT"/>
           </a:p>
@@ -2450,7 +2448,7 @@
           <p:cNvPr id="3" name="Segnaposto piè di pagina 2">
             <a:extLst>
               <a:ext uri="{FF2B5EF4-FFF2-40B4-BE49-F238E27FC236}">
-                <a16:creationId xmlns:a16="http://schemas.microsoft.com/office/drawing/2014/main" xmlns="" id="{8CB77F97-2D36-5EE4-674B-18E59C60A48E}"/>
+                <a16:creationId xmlns:a16="http://schemas.microsoft.com/office/drawing/2014/main" id="{8CB77F97-2D36-5EE4-674B-18E59C60A48E}"/>
               </a:ext>
             </a:extLst>
           </p:cNvPr>
@@ -2475,7 +2473,7 @@
           <p:cNvPr id="4" name="Segnaposto numero diapositiva 3">
             <a:extLst>
               <a:ext uri="{FF2B5EF4-FFF2-40B4-BE49-F238E27FC236}">
-                <a16:creationId xmlns:a16="http://schemas.microsoft.com/office/drawing/2014/main" xmlns="" id="{B37B2911-B6B5-F878-FBE1-D33C40F183CF}"/>
+                <a16:creationId xmlns:a16="http://schemas.microsoft.com/office/drawing/2014/main" id="{B37B2911-B6B5-F878-FBE1-D33C40F183CF}"/>
               </a:ext>
             </a:extLst>
           </p:cNvPr>
@@ -2493,7 +2491,7 @@
           <a:p>
             <a:fld id="{EDA6FB6F-2AD8-4BD0-8A2C-0F89ADB074C9}" type="slidenum">
               <a:rPr lang="it-IT" smtClean="0"/>
-              <a:t>‹n.›</a:t>
+              <a:t>‹N›</a:t>
             </a:fld>
             <a:endParaRPr lang="it-IT"/>
           </a:p>
@@ -2534,7 +2532,7 @@
           <p:cNvPr id="2" name="Titolo 1">
             <a:extLst>
               <a:ext uri="{FF2B5EF4-FFF2-40B4-BE49-F238E27FC236}">
-                <a16:creationId xmlns:a16="http://schemas.microsoft.com/office/drawing/2014/main" xmlns="" id="{27A3741C-3A8D-5D4A-4D4E-FC98140F3D93}"/>
+                <a16:creationId xmlns:a16="http://schemas.microsoft.com/office/drawing/2014/main" id="{27A3741C-3A8D-5D4A-4D4E-FC98140F3D93}"/>
               </a:ext>
             </a:extLst>
           </p:cNvPr>
@@ -2571,7 +2569,7 @@
           <p:cNvPr id="3" name="Segnaposto contenuto 2">
             <a:extLst>
               <a:ext uri="{FF2B5EF4-FFF2-40B4-BE49-F238E27FC236}">
-                <a16:creationId xmlns:a16="http://schemas.microsoft.com/office/drawing/2014/main" xmlns="" id="{7EADCA65-38E3-C1C5-9314-0BE69A5273F5}"/>
+                <a16:creationId xmlns:a16="http://schemas.microsoft.com/office/drawing/2014/main" id="{7EADCA65-38E3-C1C5-9314-0BE69A5273F5}"/>
               </a:ext>
             </a:extLst>
           </p:cNvPr>
@@ -2661,7 +2659,7 @@
           <p:cNvPr id="4" name="Segnaposto testo 3">
             <a:extLst>
               <a:ext uri="{FF2B5EF4-FFF2-40B4-BE49-F238E27FC236}">
-                <a16:creationId xmlns:a16="http://schemas.microsoft.com/office/drawing/2014/main" xmlns="" id="{4B27DA41-DC06-9781-37B7-13AB2EAD752A}"/>
+                <a16:creationId xmlns:a16="http://schemas.microsoft.com/office/drawing/2014/main" id="{4B27DA41-DC06-9781-37B7-13AB2EAD752A}"/>
               </a:ext>
             </a:extLst>
           </p:cNvPr>
@@ -2732,7 +2730,7 @@
           <p:cNvPr id="5" name="Segnaposto data 4">
             <a:extLst>
               <a:ext uri="{FF2B5EF4-FFF2-40B4-BE49-F238E27FC236}">
-                <a16:creationId xmlns:a16="http://schemas.microsoft.com/office/drawing/2014/main" xmlns="" id="{F9F16C9A-7A24-6881-C959-DC28A936A22A}"/>
+                <a16:creationId xmlns:a16="http://schemas.microsoft.com/office/drawing/2014/main" id="{F9F16C9A-7A24-6881-C959-DC28A936A22A}"/>
               </a:ext>
             </a:extLst>
           </p:cNvPr>
@@ -2750,7 +2748,7 @@
           <a:p>
             <a:fld id="{4162ED4E-8BC0-4D11-A5C7-39002C316D74}" type="datetimeFigureOut">
               <a:rPr lang="it-IT" smtClean="0"/>
-              <a:t>23/11/22</a:t>
+              <a:t>23/11/2022</a:t>
             </a:fld>
             <a:endParaRPr lang="it-IT"/>
           </a:p>
@@ -2761,7 +2759,7 @@
           <p:cNvPr id="6" name="Segnaposto piè di pagina 5">
             <a:extLst>
               <a:ext uri="{FF2B5EF4-FFF2-40B4-BE49-F238E27FC236}">
-                <a16:creationId xmlns:a16="http://schemas.microsoft.com/office/drawing/2014/main" xmlns="" id="{506EFBD4-83BF-6684-F277-7578AAF99380}"/>
+                <a16:creationId xmlns:a16="http://schemas.microsoft.com/office/drawing/2014/main" id="{506EFBD4-83BF-6684-F277-7578AAF99380}"/>
               </a:ext>
             </a:extLst>
           </p:cNvPr>
@@ -2786,7 +2784,7 @@
           <p:cNvPr id="7" name="Segnaposto numero diapositiva 6">
             <a:extLst>
               <a:ext uri="{FF2B5EF4-FFF2-40B4-BE49-F238E27FC236}">
-                <a16:creationId xmlns:a16="http://schemas.microsoft.com/office/drawing/2014/main" xmlns="" id="{541D3594-279B-9135-7EBC-E677E3AF66C0}"/>
+                <a16:creationId xmlns:a16="http://schemas.microsoft.com/office/drawing/2014/main" id="{541D3594-279B-9135-7EBC-E677E3AF66C0}"/>
               </a:ext>
             </a:extLst>
           </p:cNvPr>
@@ -2804,7 +2802,7 @@
           <a:p>
             <a:fld id="{EDA6FB6F-2AD8-4BD0-8A2C-0F89ADB074C9}" type="slidenum">
               <a:rPr lang="it-IT" smtClean="0"/>
-              <a:t>‹n.›</a:t>
+              <a:t>‹N›</a:t>
             </a:fld>
             <a:endParaRPr lang="it-IT"/>
           </a:p>
@@ -2845,7 +2843,7 @@
           <p:cNvPr id="2" name="Titolo 1">
             <a:extLst>
               <a:ext uri="{FF2B5EF4-FFF2-40B4-BE49-F238E27FC236}">
-                <a16:creationId xmlns:a16="http://schemas.microsoft.com/office/drawing/2014/main" xmlns="" id="{3DF18DCF-0239-20D4-3F6E-AEE2405FFAD3}"/>
+                <a16:creationId xmlns:a16="http://schemas.microsoft.com/office/drawing/2014/main" id="{3DF18DCF-0239-20D4-3F6E-AEE2405FFAD3}"/>
               </a:ext>
             </a:extLst>
           </p:cNvPr>
@@ -2882,7 +2880,7 @@
           <p:cNvPr id="3" name="Segnaposto immagine 2">
             <a:extLst>
               <a:ext uri="{FF2B5EF4-FFF2-40B4-BE49-F238E27FC236}">
-                <a16:creationId xmlns:a16="http://schemas.microsoft.com/office/drawing/2014/main" xmlns="" id="{3C900F63-B01B-6567-45F1-0087D880CCD1}"/>
+                <a16:creationId xmlns:a16="http://schemas.microsoft.com/office/drawing/2014/main" id="{3C900F63-B01B-6567-45F1-0087D880CCD1}"/>
               </a:ext>
             </a:extLst>
           </p:cNvPr>
@@ -2952,7 +2950,7 @@
           <p:cNvPr id="4" name="Segnaposto testo 3">
             <a:extLst>
               <a:ext uri="{FF2B5EF4-FFF2-40B4-BE49-F238E27FC236}">
-                <a16:creationId xmlns:a16="http://schemas.microsoft.com/office/drawing/2014/main" xmlns="" id="{D518E7FB-B3D9-6D10-FACE-94DC404B8BBA}"/>
+                <a16:creationId xmlns:a16="http://schemas.microsoft.com/office/drawing/2014/main" id="{D518E7FB-B3D9-6D10-FACE-94DC404B8BBA}"/>
               </a:ext>
             </a:extLst>
           </p:cNvPr>
@@ -3023,7 +3021,7 @@
           <p:cNvPr id="5" name="Segnaposto data 4">
             <a:extLst>
               <a:ext uri="{FF2B5EF4-FFF2-40B4-BE49-F238E27FC236}">
-                <a16:creationId xmlns:a16="http://schemas.microsoft.com/office/drawing/2014/main" xmlns="" id="{CF4212F1-AAE7-7FDA-EC82-6D2A7BF94086}"/>
+                <a16:creationId xmlns:a16="http://schemas.microsoft.com/office/drawing/2014/main" id="{CF4212F1-AAE7-7FDA-EC82-6D2A7BF94086}"/>
               </a:ext>
             </a:extLst>
           </p:cNvPr>
@@ -3041,7 +3039,7 @@
           <a:p>
             <a:fld id="{4162ED4E-8BC0-4D11-A5C7-39002C316D74}" type="datetimeFigureOut">
               <a:rPr lang="it-IT" smtClean="0"/>
-              <a:t>23/11/22</a:t>
+              <a:t>23/11/2022</a:t>
             </a:fld>
             <a:endParaRPr lang="it-IT"/>
           </a:p>
@@ -3052,7 +3050,7 @@
           <p:cNvPr id="6" name="Segnaposto piè di pagina 5">
             <a:extLst>
               <a:ext uri="{FF2B5EF4-FFF2-40B4-BE49-F238E27FC236}">
-                <a16:creationId xmlns:a16="http://schemas.microsoft.com/office/drawing/2014/main" xmlns="" id="{69789B94-7132-F7B8-D0DB-BFBDB22BBC53}"/>
+                <a16:creationId xmlns:a16="http://schemas.microsoft.com/office/drawing/2014/main" id="{69789B94-7132-F7B8-D0DB-BFBDB22BBC53}"/>
               </a:ext>
             </a:extLst>
           </p:cNvPr>
@@ -3077,7 +3075,7 @@
           <p:cNvPr id="7" name="Segnaposto numero diapositiva 6">
             <a:extLst>
               <a:ext uri="{FF2B5EF4-FFF2-40B4-BE49-F238E27FC236}">
-                <a16:creationId xmlns:a16="http://schemas.microsoft.com/office/drawing/2014/main" xmlns="" id="{FE0B3F6E-2424-3630-C9B4-A6863076DD27}"/>
+                <a16:creationId xmlns:a16="http://schemas.microsoft.com/office/drawing/2014/main" id="{FE0B3F6E-2424-3630-C9B4-A6863076DD27}"/>
               </a:ext>
             </a:extLst>
           </p:cNvPr>
@@ -3095,7 +3093,7 @@
           <a:p>
             <a:fld id="{EDA6FB6F-2AD8-4BD0-8A2C-0F89ADB074C9}" type="slidenum">
               <a:rPr lang="it-IT" smtClean="0"/>
-              <a:t>‹n.›</a:t>
+              <a:t>‹N›</a:t>
             </a:fld>
             <a:endParaRPr lang="it-IT"/>
           </a:p>
@@ -3147,7 +3145,7 @@
           <p:cNvPr id="2" name="Segnaposto titolo 1">
             <a:extLst>
               <a:ext uri="{FF2B5EF4-FFF2-40B4-BE49-F238E27FC236}">
-                <a16:creationId xmlns:a16="http://schemas.microsoft.com/office/drawing/2014/main" xmlns="" id="{0A2B70B3-ABF9-6094-CBF0-56EA7FECA422}"/>
+                <a16:creationId xmlns:a16="http://schemas.microsoft.com/office/drawing/2014/main" id="{0A2B70B3-ABF9-6094-CBF0-56EA7FECA422}"/>
               </a:ext>
             </a:extLst>
           </p:cNvPr>
@@ -3185,7 +3183,7 @@
           <p:cNvPr id="3" name="Segnaposto testo 2">
             <a:extLst>
               <a:ext uri="{FF2B5EF4-FFF2-40B4-BE49-F238E27FC236}">
-                <a16:creationId xmlns:a16="http://schemas.microsoft.com/office/drawing/2014/main" xmlns="" id="{F57AC799-A14E-22D4-6164-AC9D4AE20040}"/>
+                <a16:creationId xmlns:a16="http://schemas.microsoft.com/office/drawing/2014/main" id="{F57AC799-A14E-22D4-6164-AC9D4AE20040}"/>
               </a:ext>
             </a:extLst>
           </p:cNvPr>
@@ -3252,7 +3250,7 @@
           <p:cNvPr id="4" name="Segnaposto data 3">
             <a:extLst>
               <a:ext uri="{FF2B5EF4-FFF2-40B4-BE49-F238E27FC236}">
-                <a16:creationId xmlns:a16="http://schemas.microsoft.com/office/drawing/2014/main" xmlns="" id="{2B76CA5C-F317-F6EA-9896-EA9A62AD1745}"/>
+                <a16:creationId xmlns:a16="http://schemas.microsoft.com/office/drawing/2014/main" id="{2B76CA5C-F317-F6EA-9896-EA9A62AD1745}"/>
               </a:ext>
             </a:extLst>
           </p:cNvPr>
@@ -3288,7 +3286,7 @@
           <a:p>
             <a:fld id="{4162ED4E-8BC0-4D11-A5C7-39002C316D74}" type="datetimeFigureOut">
               <a:rPr lang="it-IT" smtClean="0"/>
-              <a:t>23/11/22</a:t>
+              <a:t>23/11/2022</a:t>
             </a:fld>
             <a:endParaRPr lang="it-IT"/>
           </a:p>
@@ -3299,7 +3297,7 @@
           <p:cNvPr id="5" name="Segnaposto piè di pagina 4">
             <a:extLst>
               <a:ext uri="{FF2B5EF4-FFF2-40B4-BE49-F238E27FC236}">
-                <a16:creationId xmlns:a16="http://schemas.microsoft.com/office/drawing/2014/main" xmlns="" id="{2752C927-DAA5-ACDA-A68C-CCC400FD3240}"/>
+                <a16:creationId xmlns:a16="http://schemas.microsoft.com/office/drawing/2014/main" id="{2752C927-DAA5-ACDA-A68C-CCC400FD3240}"/>
               </a:ext>
             </a:extLst>
           </p:cNvPr>
@@ -3342,7 +3340,7 @@
           <p:cNvPr id="6" name="Segnaposto numero diapositiva 5">
             <a:extLst>
               <a:ext uri="{FF2B5EF4-FFF2-40B4-BE49-F238E27FC236}">
-                <a16:creationId xmlns:a16="http://schemas.microsoft.com/office/drawing/2014/main" xmlns="" id="{00CF403D-700C-3154-4614-0E81EB1E48FD}"/>
+                <a16:creationId xmlns:a16="http://schemas.microsoft.com/office/drawing/2014/main" id="{00CF403D-700C-3154-4614-0E81EB1E48FD}"/>
               </a:ext>
             </a:extLst>
           </p:cNvPr>
@@ -3378,7 +3376,7 @@
           <a:p>
             <a:fld id="{EDA6FB6F-2AD8-4BD0-8A2C-0F89ADB074C9}" type="slidenum">
               <a:rPr lang="it-IT" smtClean="0"/>
-              <a:t>‹n.›</a:t>
+              <a:t>‹N›</a:t>
             </a:fld>
             <a:endParaRPr lang="it-IT"/>
           </a:p>
@@ -3710,7 +3708,7 @@
           <p:cNvPr id="2" name="Titolo 1">
             <a:extLst>
               <a:ext uri="{FF2B5EF4-FFF2-40B4-BE49-F238E27FC236}">
-                <a16:creationId xmlns:a16="http://schemas.microsoft.com/office/drawing/2014/main" xmlns="" id="{926F256F-EA2A-4D40-1644-C8837C345BBB}"/>
+                <a16:creationId xmlns:a16="http://schemas.microsoft.com/office/drawing/2014/main" id="{926F256F-EA2A-4D40-1644-C8837C345BBB}"/>
               </a:ext>
             </a:extLst>
           </p:cNvPr>
@@ -3755,13 +3753,6 @@
               </a:rPr>
               <a:t>4</a:t>
             </a:r>
-            <a:r>
-              <a:rPr lang="en-US" b="1" i="0" dirty="0">
-                <a:effectLst/>
-                <a:latin typeface="zeitung"/>
-              </a:rPr>
-              <a:t/>
-            </a:r>
             <a:br>
               <a:rPr lang="en-US" b="1" i="0" dirty="0">
                 <a:effectLst/>
@@ -3777,7 +3768,7 @@
           <p:cNvPr id="3" name="Sottotitolo 2">
             <a:extLst>
               <a:ext uri="{FF2B5EF4-FFF2-40B4-BE49-F238E27FC236}">
-                <a16:creationId xmlns:a16="http://schemas.microsoft.com/office/drawing/2014/main" xmlns="" id="{6C752F3B-C461-1F68-35A6-D85D34D4DCBC}"/>
+                <a16:creationId xmlns:a16="http://schemas.microsoft.com/office/drawing/2014/main" id="{6C752F3B-C461-1F68-35A6-D85D34D4DCBC}"/>
               </a:ext>
             </a:extLst>
           </p:cNvPr>
@@ -3868,7 +3859,7 @@
           <p:cNvPr id="5" name="Immagine 4">
             <a:extLst>
               <a:ext uri="{FF2B5EF4-FFF2-40B4-BE49-F238E27FC236}">
-                <a16:creationId xmlns:a16="http://schemas.microsoft.com/office/drawing/2014/main" xmlns="" id="{17570CE4-C826-9688-0784-D218197D3D1B}"/>
+                <a16:creationId xmlns:a16="http://schemas.microsoft.com/office/drawing/2014/main" id="{17570CE4-C826-9688-0784-D218197D3D1B}"/>
               </a:ext>
             </a:extLst>
           </p:cNvPr>
@@ -3909,6 +3900,9 @@
   <p:clrMapOvr>
     <a:masterClrMapping/>
   </p:clrMapOvr>
+  <p:transition spd="slow">
+    <p:push dir="u"/>
+  </p:transition>
 </p:sld>
 </file>
 
@@ -3934,7 +3928,7 @@
           <p:cNvPr id="2" name="Titolo 1">
             <a:extLst>
               <a:ext uri="{FF2B5EF4-FFF2-40B4-BE49-F238E27FC236}">
-                <a16:creationId xmlns:a16="http://schemas.microsoft.com/office/drawing/2014/main" xmlns="" id="{E84D6F7A-C5C5-40C7-0FD8-F1C4CD4F3D65}"/>
+                <a16:creationId xmlns:a16="http://schemas.microsoft.com/office/drawing/2014/main" id="{E84D6F7A-C5C5-40C7-0FD8-F1C4CD4F3D65}"/>
               </a:ext>
             </a:extLst>
           </p:cNvPr>
@@ -3967,20 +3961,7 @@
                 <a:ea typeface="Helvetica Neue" charset="0"/>
                 <a:cs typeface="Helvetica Neue" charset="0"/>
               </a:rPr>
-              <a:t>Testing the endpoints</a:t>
-            </a:r>
-            <a:r>
-              <a:rPr lang="it-IT" b="1" dirty="0">
-                <a:solidFill>
-                  <a:schemeClr val="accent2">
-                    <a:lumMod val="75000"/>
-                  </a:schemeClr>
-                </a:solidFill>
-                <a:latin typeface="Helvetica Neue" charset="0"/>
-                <a:ea typeface="Helvetica Neue" charset="0"/>
-                <a:cs typeface="Helvetica Neue" charset="0"/>
-              </a:rPr>
-              <a:t> </a:t>
+              <a:t>Testing the endpoints </a:t>
             </a:r>
           </a:p>
         </p:txBody>
@@ -3990,7 +3971,7 @@
           <p:cNvPr id="3" name="Segnaposto contenuto 2">
             <a:extLst>
               <a:ext uri="{FF2B5EF4-FFF2-40B4-BE49-F238E27FC236}">
-                <a16:creationId xmlns:a16="http://schemas.microsoft.com/office/drawing/2014/main" xmlns="" id="{BF6317FD-0060-35A3-A9F2-27B937DE131C}"/>
+                <a16:creationId xmlns:a16="http://schemas.microsoft.com/office/drawing/2014/main" id="{BF6317FD-0060-35A3-A9F2-27B937DE131C}"/>
               </a:ext>
             </a:extLst>
           </p:cNvPr>
@@ -4051,14 +4032,14 @@
           <p:nvPr>
             <p:extLst>
               <p:ext uri="{D42A27DB-BD31-4B8C-83A1-F6EECF244321}">
-                <p14:modId xmlns:p14="http://schemas.microsoft.com/office/powerpoint/2010/main" val="611749071"/>
+                <p14:modId xmlns:p14="http://schemas.microsoft.com/office/powerpoint/2010/main" val="3499928605"/>
               </p:ext>
             </p:extLst>
           </p:nvPr>
         </p:nvGraphicFramePr>
         <p:xfrm>
           <a:off x="838201" y="1808252"/>
-          <a:ext cx="10422274" cy="4392150"/>
+          <a:ext cx="10515599" cy="4335695"/>
         </p:xfrm>
         <a:graphic>
           <a:graphicData uri="http://schemas.openxmlformats.org/drawingml/2006/table">
@@ -4067,10 +4048,34 @@
                 <a:tableStyleId>{85BE263C-DBD7-4A20-BB59-AAB30ACAA65A}</a:tableStyleId>
               </a:tblPr>
               <a:tblGrid>
-                <a:gridCol w="2625685"/>
-                <a:gridCol w="2598863"/>
-                <a:gridCol w="2598863"/>
-                <a:gridCol w="2598863"/>
+                <a:gridCol w="2649197">
+                  <a:extLst>
+                    <a:ext uri="{9D8B030D-6E8A-4147-A177-3AD203B41FA5}">
+                      <a16:colId xmlns:a16="http://schemas.microsoft.com/office/drawing/2014/main" val="20000"/>
+                    </a:ext>
+                  </a:extLst>
+                </a:gridCol>
+                <a:gridCol w="2622134">
+                  <a:extLst>
+                    <a:ext uri="{9D8B030D-6E8A-4147-A177-3AD203B41FA5}">
+                      <a16:colId xmlns:a16="http://schemas.microsoft.com/office/drawing/2014/main" val="20001"/>
+                    </a:ext>
+                  </a:extLst>
+                </a:gridCol>
+                <a:gridCol w="2361608">
+                  <a:extLst>
+                    <a:ext uri="{9D8B030D-6E8A-4147-A177-3AD203B41FA5}">
+                      <a16:colId xmlns:a16="http://schemas.microsoft.com/office/drawing/2014/main" val="20002"/>
+                    </a:ext>
+                  </a:extLst>
+                </a:gridCol>
+                <a:gridCol w="2882660">
+                  <a:extLst>
+                    <a:ext uri="{9D8B030D-6E8A-4147-A177-3AD203B41FA5}">
+                      <a16:colId xmlns:a16="http://schemas.microsoft.com/office/drawing/2014/main" val="20003"/>
+                    </a:ext>
+                  </a:extLst>
+                </a:gridCol>
               </a:tblGrid>
               <a:tr h="390260">
                 <a:tc>
@@ -4141,6 +4146,11 @@
                   </a:txBody>
                   <a:tcPr/>
                 </a:tc>
+                <a:extLst>
+                  <a:ext uri="{0D108BD9-81ED-4DB2-BD59-A6C34878D82A}">
+                    <a16:rowId xmlns:a16="http://schemas.microsoft.com/office/drawing/2014/main" val="10000"/>
+                  </a:ext>
+                </a:extLst>
               </a:tr>
               <a:tr h="1315145">
                 <a:tc>
@@ -4267,7 +4277,7 @@
                         <a:t> = </a:t>
                       </a:r>
                       <a:r>
-                        <a:rPr lang="it-IT" sz="1200" b="0" kern="1200">
+                        <a:rPr lang="en-US" sz="1200" b="0" kern="1200">
                           <a:solidFill>
                             <a:schemeClr val="dk1"/>
                           </a:solidFill>
@@ -4276,10 +4286,8 @@
                           <a:ea typeface="Helvetica Neue" charset="0"/>
                           <a:cs typeface="Helvetica Neue" charset="0"/>
                         </a:rPr>
-                        <a:t>{"filename": original_filename, "id": id, "label": 4}</a:t>
-                      </a:r>
-                    </a:p>
-                    <a:p>
+                        <a:t>{"result": "ok, new class saved"}</a:t>
+                      </a:r>
                       <a:endParaRPr lang="en-GB" sz="1200">
                         <a:latin typeface="Helvetica Neue" charset="0"/>
                         <a:ea typeface="Helvetica Neue" charset="0"/>
@@ -4289,6 +4297,11 @@
                   </a:txBody>
                   <a:tcPr/>
                 </a:tc>
+                <a:extLst>
+                  <a:ext uri="{0D108BD9-81ED-4DB2-BD59-A6C34878D82A}">
+                    <a16:rowId xmlns:a16="http://schemas.microsoft.com/office/drawing/2014/main" val="10001"/>
+                  </a:ext>
+                </a:extLst>
               </a:tr>
               <a:tr h="1315145">
                 <a:tc>
@@ -4382,7 +4395,7 @@
                           <a:ea typeface="Helvetica Neue" charset="0"/>
                           <a:cs typeface="Helvetica Neue" charset="0"/>
                         </a:rPr>
-                        <a:t> that the response status is NOT ACCEPTABLE when a file different from an image is given.</a:t>
+                        <a:t> that the response status is NOT FOUND the given ID of the image is not present in prediction.csv.</a:t>
                       </a:r>
                       <a:endParaRPr lang="en-GB" sz="1200">
                         <a:latin typeface="Helvetica Neue" charset="0"/>
@@ -4425,7 +4438,7 @@
                           <a:ea typeface="Helvetica Neue" charset="0"/>
                           <a:cs typeface="Helvetica Neue" charset="0"/>
                         </a:rPr>
-                        <a:t>Status = HTTPStatus.NOT_ACCEPTABLE</a:t>
+                        <a:t>Status = HTTPStatus.NOT_FOUND</a:t>
                       </a:r>
                     </a:p>
                     <a:p>
@@ -4456,10 +4469,20 @@
                           <a:ea typeface="Helvetica Neue" charset="0"/>
                           <a:cs typeface="Helvetica Neue" charset="0"/>
                         </a:rPr>
-                        <a:t>Response= {'detail': 'Image upload error, the file provided is not an image.'}</a:t>
-                      </a:r>
-                    </a:p>
-                    <a:p>
+                        <a:t>Response= </a:t>
+                      </a:r>
+                      <a:r>
+                        <a:rPr lang="en-US" sz="1200" b="0" kern="1200">
+                          <a:solidFill>
+                            <a:schemeClr val="dk1"/>
+                          </a:solidFill>
+                          <a:effectLst/>
+                          <a:latin typeface="Helvetica Neue" charset="0"/>
+                          <a:ea typeface="Helvetica Neue" charset="0"/>
+                          <a:cs typeface="Helvetica Neue" charset="0"/>
+                        </a:rPr>
+                        <a:t>{'detail': 'There is no classified image with that id.'}</a:t>
+                      </a:r>
                       <a:endParaRPr lang="en-GB" sz="1200">
                         <a:latin typeface="Helvetica Neue" charset="0"/>
                         <a:ea typeface="Helvetica Neue" charset="0"/>
@@ -4469,6 +4492,11 @@
                   </a:txBody>
                   <a:tcPr/>
                 </a:tc>
+                <a:extLst>
+                  <a:ext uri="{0D108BD9-81ED-4DB2-BD59-A6C34878D82A}">
+                    <a16:rowId xmlns:a16="http://schemas.microsoft.com/office/drawing/2014/main" val="10002"/>
+                  </a:ext>
+                </a:extLst>
               </a:tr>
               <a:tr h="1315145">
                 <a:tc>
@@ -4499,7 +4527,7 @@
                           <a:ea typeface="Helvetica Neue" charset="0"/>
                           <a:cs typeface="Helvetica Neue" charset="0"/>
                         </a:rPr>
-                        <a:t>test_upload_ko_double</a:t>
+                        <a:t>test_eval_class_ko_double</a:t>
                       </a:r>
                     </a:p>
                   </a:txBody>
@@ -4562,7 +4590,7 @@
                           <a:ea typeface="Helvetica Neue" charset="0"/>
                           <a:cs typeface="Helvetica Neue" charset="0"/>
                         </a:rPr>
-                        <a:t> response is an error message when a erroneous file is given.</a:t>
+                        <a:t> response is NOT ACCEPTABLE there is already a class for the image in the dataset.csv file.</a:t>
                       </a:r>
                       <a:endParaRPr lang="en-GB" sz="1200">
                         <a:latin typeface="Helvetica Neue" charset="0"/>
@@ -4577,6 +4605,42 @@
                   <a:txBody>
                     <a:bodyPr/>
                     <a:lstStyle/>
+                    <a:p>
+                      <a:pPr marL="171450" marR="0" lvl="0" indent="-171450" algn="l" defTabSz="914400" rtl="0" eaLnBrk="1" fontAlgn="auto" latinLnBrk="0" hangingPunct="1">
+                        <a:lnSpc>
+                          <a:spcPct val="100000"/>
+                        </a:lnSpc>
+                        <a:spcBef>
+                          <a:spcPts val="0"/>
+                        </a:spcBef>
+                        <a:spcAft>
+                          <a:spcPts val="0"/>
+                        </a:spcAft>
+                        <a:buClrTx/>
+                        <a:buSzTx/>
+                        <a:buFont typeface="Arial" charset="0"/>
+                        <a:buChar char="•"/>
+                        <a:tabLst/>
+                        <a:defRPr/>
+                      </a:pPr>
+                      <a:r>
+                        <a:rPr lang="it-IT" sz="1200" b="0" kern="1200">
+                          <a:solidFill>
+                            <a:schemeClr val="dk1"/>
+                          </a:solidFill>
+                          <a:effectLst/>
+                          <a:latin typeface="Helvetica Neue" charset="0"/>
+                          <a:ea typeface="Helvetica Neue" charset="0"/>
+                          <a:cs typeface="Helvetica Neue" charset="0"/>
+                        </a:rPr>
+                        <a:t>Status = HTTPStatus.NOT_ACCEPTABLE</a:t>
+                      </a:r>
+                      <a:endParaRPr lang="en-GB" sz="1200">
+                        <a:latin typeface="Helvetica Neue" charset="0"/>
+                        <a:ea typeface="Helvetica Neue" charset="0"/>
+                        <a:cs typeface="Helvetica Neue" charset="0"/>
+                      </a:endParaRPr>
+                    </a:p>
                     <a:p>
                       <a:pPr marL="171450" marR="0" indent="-171450" algn="l" defTabSz="914400" rtl="0" eaLnBrk="1" fontAlgn="auto" latinLnBrk="0" hangingPunct="1">
                         <a:lnSpc>
@@ -4604,7 +4668,7 @@
                         <a:t>Response = </a:t>
                       </a:r>
                       <a:r>
-                        <a:rPr lang="en-GB" sz="1200" b="0" kern="1200">
+                        <a:rPr lang="en-US" sz="1200" b="0" kern="1200">
                           <a:solidFill>
                             <a:schemeClr val="dk1"/>
                           </a:solidFill>
@@ -4613,8 +4677,17 @@
                           <a:ea typeface="Helvetica Neue" charset="0"/>
                           <a:cs typeface="Helvetica Neue" charset="0"/>
                         </a:rPr>
-                        <a:t>{'detail': 'Id label error, the label must be a value between 0 and 9.'}</a:t>
-                      </a:r>
+                        <a:t>{'detail': 'There is already a class specified for that that image id.'}</a:t>
+                      </a:r>
+                      <a:endParaRPr lang="en-GB" sz="1200" b="0" kern="1200">
+                        <a:solidFill>
+                          <a:schemeClr val="dk1"/>
+                        </a:solidFill>
+                        <a:effectLst/>
+                        <a:latin typeface="Helvetica Neue" charset="0"/>
+                        <a:ea typeface="Helvetica Neue" charset="0"/>
+                        <a:cs typeface="Helvetica Neue" charset="0"/>
+                      </a:endParaRPr>
                     </a:p>
                     <a:p>
                       <a:endParaRPr lang="en-GB" sz="1200">
@@ -4626,6 +4699,11 @@
                   </a:txBody>
                   <a:tcPr/>
                 </a:tc>
+                <a:extLst>
+                  <a:ext uri="{0D108BD9-81ED-4DB2-BD59-A6C34878D82A}">
+                    <a16:rowId xmlns:a16="http://schemas.microsoft.com/office/drawing/2014/main" val="10003"/>
+                  </a:ext>
+                </a:extLst>
               </a:tr>
             </a:tbl>
           </a:graphicData>
@@ -4641,13 +4719,9 @@
   <p:clrMapOvr>
     <a:masterClrMapping/>
   </p:clrMapOvr>
-  <p:timing>
-    <p:tnLst>
-      <p:par>
-        <p:cTn id="1" dur="indefinite" restart="never" nodeType="tmRoot"/>
-      </p:par>
-    </p:tnLst>
-  </p:timing>
+  <p:transition spd="slow">
+    <p:push dir="u"/>
+  </p:transition>
 </p:sld>
 </file>
 
@@ -4673,7 +4747,7 @@
           <p:cNvPr id="2" name="Titolo 1">
             <a:extLst>
               <a:ext uri="{FF2B5EF4-FFF2-40B4-BE49-F238E27FC236}">
-                <a16:creationId xmlns:a16="http://schemas.microsoft.com/office/drawing/2014/main" xmlns="" id="{E84D6F7A-C5C5-40C7-0FD8-F1C4CD4F3D65}"/>
+                <a16:creationId xmlns:a16="http://schemas.microsoft.com/office/drawing/2014/main" id="{E84D6F7A-C5C5-40C7-0FD8-F1C4CD4F3D65}"/>
               </a:ext>
             </a:extLst>
           </p:cNvPr>
@@ -4686,7 +4760,7 @@
         </p:nvSpPr>
         <p:spPr>
           <a:xfrm>
-            <a:off x="314218" y="6902"/>
+            <a:off x="604761" y="19525"/>
             <a:ext cx="10515600" cy="1325563"/>
           </a:xfrm>
         </p:spPr>
@@ -4708,16 +4782,6 @@
               </a:rPr>
               <a:t>Agenda</a:t>
             </a:r>
-            <a:endParaRPr lang="it-IT" b="1" dirty="0">
-              <a:solidFill>
-                <a:schemeClr val="accent2">
-                  <a:lumMod val="75000"/>
-                </a:schemeClr>
-              </a:solidFill>
-              <a:latin typeface="Helvetica Neue" charset="0"/>
-              <a:ea typeface="Helvetica Neue" charset="0"/>
-              <a:cs typeface="Helvetica Neue" charset="0"/>
-            </a:endParaRPr>
           </a:p>
         </p:txBody>
       </p:sp>
@@ -4726,7 +4790,7 @@
           <p:cNvPr id="3" name="Segnaposto contenuto 2">
             <a:extLst>
               <a:ext uri="{FF2B5EF4-FFF2-40B4-BE49-F238E27FC236}">
-                <a16:creationId xmlns:a16="http://schemas.microsoft.com/office/drawing/2014/main" xmlns="" id="{BF6317FD-0060-35A3-A9F2-27B937DE131C}"/>
+                <a16:creationId xmlns:a16="http://schemas.microsoft.com/office/drawing/2014/main" id="{BF6317FD-0060-35A3-A9F2-27B937DE131C}"/>
               </a:ext>
             </a:extLst>
           </p:cNvPr>
@@ -4739,7 +4803,7 @@
         </p:nvSpPr>
         <p:spPr>
           <a:xfrm>
-            <a:off x="499152" y="1116706"/>
+            <a:off x="481899" y="1332465"/>
             <a:ext cx="10761324" cy="5016965"/>
           </a:xfrm>
         </p:spPr>
@@ -4779,29 +4843,20 @@
           </a:p>
           <a:p>
             <a:r>
+              <a:rPr lang="it-IT" sz="6400" b="1" dirty="0">
+                <a:latin typeface="Helvetica Neue" charset="0"/>
+                <a:ea typeface="Helvetica Neue" charset="0"/>
+                <a:cs typeface="Helvetica Neue" charset="0"/>
+              </a:rPr>
+              <a:t>Pydantic library for data validation</a:t>
+            </a:r>
+            <a:r>
               <a:rPr lang="it-IT" sz="6400" dirty="0">
                 <a:latin typeface="Helvetica Neue" charset="0"/>
                 <a:ea typeface="Helvetica Neue" charset="0"/>
                 <a:cs typeface="Helvetica Neue" charset="0"/>
               </a:rPr>
-              <a:t>Exposing the endpoint on a Raspberry with DDNS</a:t>
-            </a:r>
-          </a:p>
-          <a:p>
-            <a:endParaRPr lang="it-IT" sz="6400" dirty="0">
-              <a:latin typeface="Helvetica Neue" charset="0"/>
-              <a:ea typeface="Helvetica Neue" charset="0"/>
-              <a:cs typeface="Helvetica Neue" charset="0"/>
-            </a:endParaRPr>
-          </a:p>
-          <a:p>
-            <a:r>
-              <a:rPr lang="it-IT" sz="6400" dirty="0">
-                <a:latin typeface="Helvetica Neue" charset="0"/>
-                <a:ea typeface="Helvetica Neue" charset="0"/>
-                <a:cs typeface="Helvetica Neue" charset="0"/>
-              </a:rPr>
-              <a:t>Pydantic library for data validation:</a:t>
+              <a:t>:</a:t>
             </a:r>
           </a:p>
           <a:p>
@@ -4836,7 +4891,7 @@
           </a:p>
           <a:p>
             <a:r>
-              <a:rPr lang="it-IT" sz="6400" dirty="0">
+              <a:rPr lang="it-IT" sz="6400" b="1" dirty="0">
                 <a:latin typeface="Helvetica Neue" charset="0"/>
                 <a:ea typeface="Helvetica Neue" charset="0"/>
                 <a:cs typeface="Helvetica Neue" charset="0"/>
@@ -4854,11 +4909,6 @@
               </a:rPr>
               <a:t>/predict</a:t>
             </a:r>
-            <a:endParaRPr lang="it-IT" sz="6400" dirty="0">
-              <a:latin typeface="Helvetica Neue" charset="0"/>
-              <a:ea typeface="Helvetica Neue" charset="0"/>
-              <a:cs typeface="Helvetica Neue" charset="0"/>
-            </a:endParaRPr>
           </a:p>
           <a:p>
             <a:pPr lvl="2"/>
@@ -4892,7 +4942,7 @@
           </a:p>
           <a:p>
             <a:r>
-              <a:rPr lang="it-IT" sz="6400" dirty="0">
+              <a:rPr lang="it-IT" sz="6400" b="1" dirty="0">
                 <a:latin typeface="Helvetica Neue" charset="0"/>
                 <a:ea typeface="Helvetica Neue" charset="0"/>
                 <a:cs typeface="Helvetica Neue" charset="0"/>
@@ -4919,7 +4969,59 @@
                 <a:ea typeface="Helvetica Neue" charset="0"/>
                 <a:cs typeface="Helvetica Neue" charset="0"/>
               </a:rPr>
-              <a:t>test_upload_ok</a:t>
+              <a:t>test_upload_ok, test_upload_ko_image, test_upload_ko_id</a:t>
+            </a:r>
+          </a:p>
+          <a:p>
+            <a:pPr lvl="2"/>
+            <a:r>
+              <a:rPr lang="it-IT" sz="6400">
+                <a:latin typeface="Helvetica Neue" charset="0"/>
+                <a:ea typeface="Helvetica Neue" charset="0"/>
+                <a:cs typeface="Helvetica Neue" charset="0"/>
+              </a:rPr>
+              <a:t>/predict:	</a:t>
+            </a:r>
+            <a:r>
+              <a:rPr lang="it-IT" sz="6400">
+                <a:solidFill>
+                  <a:srgbClr val="00B050"/>
+                </a:solidFill>
+                <a:latin typeface="Helvetica Neue" charset="0"/>
+                <a:ea typeface="Helvetica Neue" charset="0"/>
+                <a:cs typeface="Helvetica Neue" charset="0"/>
+              </a:rPr>
+              <a:t> test_predict_ok</a:t>
+            </a:r>
+            <a:r>
+              <a:rPr lang="it-IT" sz="6400">
+                <a:latin typeface="Helvetica Neue" charset="0"/>
+                <a:ea typeface="Helvetica Neue" charset="0"/>
+                <a:cs typeface="Helvetica Neue" charset="0"/>
+              </a:rPr>
+              <a:t>,</a:t>
+            </a:r>
+            <a:r>
+              <a:rPr lang="it-IT" sz="6400">
+                <a:solidFill>
+                  <a:srgbClr val="00B050"/>
+                </a:solidFill>
+                <a:latin typeface="Helvetica Neue" charset="0"/>
+                <a:ea typeface="Helvetica Neue" charset="0"/>
+                <a:cs typeface="Helvetica Neue" charset="0"/>
+              </a:rPr>
+              <a:t> test_predict_ko</a:t>
+            </a:r>
+          </a:p>
+          <a:p>
+            <a:pPr lvl="2"/>
+            <a:r>
+              <a:rPr lang="it-IT" sz="6400">
+                <a:latin typeface="Helvetica Neue" charset="0"/>
+                <a:ea typeface="Helvetica Neue" charset="0"/>
+                <a:cs typeface="Helvetica Neue" charset="0"/>
+              </a:rPr>
+              <a:t>/</a:t>
             </a:r>
             <a:r>
               <a:rPr lang="it-IT" sz="6400" dirty="0">
@@ -4927,53 +5029,7 @@
                 <a:ea typeface="Helvetica Neue" charset="0"/>
                 <a:cs typeface="Helvetica Neue" charset="0"/>
               </a:rPr>
-              <a:t>, </a:t>
-            </a:r>
-            <a:r>
-              <a:rPr lang="it-IT" sz="6400" dirty="0">
-                <a:solidFill>
-                  <a:srgbClr val="FF0000"/>
-                </a:solidFill>
-                <a:latin typeface="Helvetica Neue" charset="0"/>
-                <a:ea typeface="Helvetica Neue" charset="0"/>
-                <a:cs typeface="Helvetica Neue" charset="0"/>
-              </a:rPr>
-              <a:t>test_upload_ko_image</a:t>
-            </a:r>
-            <a:r>
-              <a:rPr lang="it-IT" sz="6400" dirty="0">
-                <a:latin typeface="Helvetica Neue" charset="0"/>
-                <a:ea typeface="Helvetica Neue" charset="0"/>
-                <a:cs typeface="Helvetica Neue" charset="0"/>
-              </a:rPr>
-              <a:t>, </a:t>
-            </a:r>
-            <a:r>
-              <a:rPr lang="it-IT" sz="6400" dirty="0">
-                <a:solidFill>
-                  <a:srgbClr val="FF0000"/>
-                </a:solidFill>
-                <a:latin typeface="Helvetica Neue" charset="0"/>
-                <a:ea typeface="Helvetica Neue" charset="0"/>
-                <a:cs typeface="Helvetica Neue" charset="0"/>
-              </a:rPr>
-              <a:t>test_upload_ko_id</a:t>
-            </a:r>
-            <a:endParaRPr lang="it-IT" sz="6400" dirty="0">
-              <a:latin typeface="Helvetica Neue" charset="0"/>
-              <a:ea typeface="Helvetica Neue" charset="0"/>
-              <a:cs typeface="Helvetica Neue" charset="0"/>
-            </a:endParaRPr>
-          </a:p>
-          <a:p>
-            <a:pPr lvl="2"/>
-            <a:r>
-              <a:rPr lang="it-IT" sz="6400" dirty="0">
-                <a:latin typeface="Helvetica Neue" charset="0"/>
-                <a:ea typeface="Helvetica Neue" charset="0"/>
-                <a:cs typeface="Helvetica Neue" charset="0"/>
-              </a:rPr>
-              <a:t>/predict:	</a:t>
+              <a:t>eval_class:	 </a:t>
             </a:r>
             <a:r>
               <a:rPr lang="it-IT" sz="6400" dirty="0">
@@ -4984,18 +5040,10 @@
                 <a:ea typeface="Helvetica Neue" charset="0"/>
                 <a:cs typeface="Helvetica Neue" charset="0"/>
               </a:rPr>
-              <a:t> test_predict_ok</a:t>
-            </a:r>
-            <a:r>
-              <a:rPr lang="it-IT" sz="6400" dirty="0">
-                <a:latin typeface="Helvetica Neue" charset="0"/>
-                <a:ea typeface="Helvetica Neue" charset="0"/>
-                <a:cs typeface="Helvetica Neue" charset="0"/>
-              </a:rPr>
-              <a:t>,</a:t>
-            </a:r>
-            <a:r>
-              <a:rPr lang="it-IT" sz="6400" dirty="0">
+              <a:t>test_eval_</a:t>
+            </a:r>
+            <a:r>
+              <a:rPr lang="it-IT" sz="6400">
                 <a:solidFill>
                   <a:srgbClr val="00B050"/>
                 </a:solidFill>
@@ -5003,32 +5051,18 @@
                 <a:ea typeface="Helvetica Neue" charset="0"/>
                 <a:cs typeface="Helvetica Neue" charset="0"/>
               </a:rPr>
-              <a:t> </a:t>
-            </a:r>
-            <a:r>
-              <a:rPr lang="it-IT" sz="6400" dirty="0">
-                <a:solidFill>
-                  <a:srgbClr val="FF0000"/>
-                </a:solidFill>
+              <a:t>class_ok</a:t>
+            </a:r>
+            <a:r>
+              <a:rPr lang="it-IT" sz="6400">
                 <a:latin typeface="Helvetica Neue" charset="0"/>
                 <a:ea typeface="Helvetica Neue" charset="0"/>
                 <a:cs typeface="Helvetica Neue" charset="0"/>
               </a:rPr>
-              <a:t>test_predict_ko</a:t>
-            </a:r>
-          </a:p>
-          <a:p>
-            <a:pPr lvl="2"/>
-            <a:r>
-              <a:rPr lang="it-IT" sz="6400" dirty="0">
-                <a:latin typeface="Helvetica Neue" charset="0"/>
-                <a:ea typeface="Helvetica Neue" charset="0"/>
-                <a:cs typeface="Helvetica Neue" charset="0"/>
-              </a:rPr>
-              <a:t>/eval_class:	 </a:t>
-            </a:r>
-            <a:r>
-              <a:rPr lang="it-IT" sz="6400" dirty="0">
+              <a:t>, </a:t>
+            </a:r>
+            <a:r>
+              <a:rPr lang="it-IT" sz="6400">
                 <a:solidFill>
                   <a:srgbClr val="00B050"/>
                 </a:solidFill>
@@ -5036,46 +5070,16 @@
                 <a:ea typeface="Helvetica Neue" charset="0"/>
                 <a:cs typeface="Helvetica Neue" charset="0"/>
               </a:rPr>
-              <a:t>test_eval_class_ok</a:t>
-            </a:r>
-            <a:r>
-              <a:rPr lang="it-IT" sz="6400" dirty="0">
-                <a:latin typeface="Helvetica Neue" charset="0"/>
-                <a:ea typeface="Helvetica Neue" charset="0"/>
-                <a:cs typeface="Helvetica Neue" charset="0"/>
-              </a:rPr>
-              <a:t>, </a:t>
-            </a:r>
-            <a:r>
-              <a:rPr lang="it-IT" sz="6400" dirty="0">
-                <a:solidFill>
-                  <a:srgbClr val="FF0000"/>
-                </a:solidFill>
-                <a:latin typeface="Helvetica Neue" charset="0"/>
-                <a:ea typeface="Helvetica Neue" charset="0"/>
-                <a:cs typeface="Helvetica Neue" charset="0"/>
-              </a:rPr>
-              <a:t>test_eval_class_ko_not_found</a:t>
-            </a:r>
-            <a:r>
-              <a:rPr lang="it-IT" sz="6400" dirty="0">
-                <a:latin typeface="Helvetica Neue" charset="0"/>
-                <a:ea typeface="Helvetica Neue" charset="0"/>
-                <a:cs typeface="Helvetica Neue" charset="0"/>
-              </a:rPr>
-              <a:t>, </a:t>
-            </a:r>
-            <a:r>
-              <a:rPr lang="it-IT" sz="6400" dirty="0">
-                <a:solidFill>
-                  <a:srgbClr val="FF0000"/>
-                </a:solidFill>
-                <a:latin typeface="Helvetica Neue" charset="0"/>
-                <a:ea typeface="Helvetica Neue" charset="0"/>
-                <a:cs typeface="Helvetica Neue" charset="0"/>
-              </a:rPr>
-              <a:t>test_eval_class_ko_double</a:t>
-            </a:r>
+              <a:t>test_eval_class_ko_not_found, test_eval_class_ko_double</a:t>
+            </a:r>
+            <a:endParaRPr lang="it-IT" sz="6400" dirty="0">
+              <a:solidFill>
+                <a:srgbClr val="00B050"/>
+              </a:solidFill>
+              <a:latin typeface="Helvetica Neue" charset="0"/>
+              <a:ea typeface="Helvetica Neue" charset="0"/>
+              <a:cs typeface="Helvetica Neue" charset="0"/>
+            </a:endParaRPr>
           </a:p>
         </p:txBody>
       </p:sp>
@@ -5089,13 +5093,9 @@
   <p:clrMapOvr>
     <a:masterClrMapping/>
   </p:clrMapOvr>
-  <p:timing>
-    <p:tnLst>
-      <p:par>
-        <p:cTn id="1" dur="indefinite" restart="never" nodeType="tmRoot"/>
-      </p:par>
-    </p:tnLst>
-  </p:timing>
+  <p:transition spd="slow">
+    <p:push dir="u"/>
+  </p:transition>
 </p:sld>
 </file>
 
@@ -5221,16 +5221,6 @@
             <a:pPr marL="0" indent="0">
               <a:buNone/>
             </a:pPr>
-            <a:r>
-              <a:rPr lang="it-IT" sz="1200" b="0">
-                <a:solidFill>
-                  <a:srgbClr val="000000"/>
-                </a:solidFill>
-                <a:effectLst/>
-                <a:latin typeface="Menlo" charset="0"/>
-              </a:rPr>
-              <a:t/>
-            </a:r>
             <a:br>
               <a:rPr lang="it-IT" sz="1200" b="0">
                 <a:solidFill>
@@ -5571,13 +5561,9 @@
   <p:clrMapOvr>
     <a:masterClrMapping/>
   </p:clrMapOvr>
-  <p:timing>
-    <p:tnLst>
-      <p:par>
-        <p:cTn id="1" dur="indefinite" restart="never" nodeType="tmRoot"/>
-      </p:par>
-    </p:tnLst>
-  </p:timing>
+  <p:transition spd="slow">
+    <p:push dir="u"/>
+  </p:transition>
 </p:sld>
 </file>
 
@@ -5703,16 +5689,6 @@
             <a:pPr marL="0" indent="0">
               <a:buNone/>
             </a:pPr>
-            <a:r>
-              <a:rPr lang="it-IT" sz="1400" b="0">
-                <a:solidFill>
-                  <a:srgbClr val="000000"/>
-                </a:solidFill>
-                <a:effectLst/>
-                <a:latin typeface="Menlo" charset="0"/>
-              </a:rPr>
-              <a:t/>
-            </a:r>
             <a:br>
               <a:rPr lang="it-IT" sz="1400" b="0">
                 <a:solidFill>
@@ -6025,13 +6001,9 @@
   <p:clrMapOvr>
     <a:masterClrMapping/>
   </p:clrMapOvr>
-  <p:timing>
-    <p:tnLst>
-      <p:par>
-        <p:cTn id="1" dur="indefinite" restart="never" nodeType="tmRoot"/>
-      </p:par>
-    </p:tnLst>
-  </p:timing>
+  <p:transition spd="slow">
+    <p:push dir="u"/>
+  </p:transition>
 </p:sld>
 </file>
 
@@ -6057,7 +6029,7 @@
           <p:cNvPr id="2" name="Titolo 1">
             <a:extLst>
               <a:ext uri="{FF2B5EF4-FFF2-40B4-BE49-F238E27FC236}">
-                <a16:creationId xmlns:a16="http://schemas.microsoft.com/office/drawing/2014/main" xmlns="" id="{E84D6F7A-C5C5-40C7-0FD8-F1C4CD4F3D65}"/>
+                <a16:creationId xmlns:a16="http://schemas.microsoft.com/office/drawing/2014/main" id="{E84D6F7A-C5C5-40C7-0FD8-F1C4CD4F3D65}"/>
               </a:ext>
             </a:extLst>
           </p:cNvPr>
@@ -6100,7 +6072,7 @@
           <p:cNvPr id="3" name="Segnaposto contenuto 2">
             <a:extLst>
               <a:ext uri="{FF2B5EF4-FFF2-40B4-BE49-F238E27FC236}">
-                <a16:creationId xmlns:a16="http://schemas.microsoft.com/office/drawing/2014/main" xmlns="" id="{BF6317FD-0060-35A3-A9F2-27B937DE131C}"/>
+                <a16:creationId xmlns:a16="http://schemas.microsoft.com/office/drawing/2014/main" id="{BF6317FD-0060-35A3-A9F2-27B937DE131C}"/>
               </a:ext>
             </a:extLst>
           </p:cNvPr>
@@ -6161,7 +6133,7 @@
           <p:nvPr>
             <p:extLst>
               <p:ext uri="{D42A27DB-BD31-4B8C-83A1-F6EECF244321}">
-                <p14:modId xmlns:p14="http://schemas.microsoft.com/office/powerpoint/2010/main" val="265122727"/>
+                <p14:modId xmlns:p14="http://schemas.microsoft.com/office/powerpoint/2010/main" val="2412562399"/>
               </p:ext>
             </p:extLst>
           </p:nvPr>
@@ -6177,12 +6149,48 @@
                 <a:tableStyleId>{85BE263C-DBD7-4A20-BB59-AAB30ACAA65A}</a:tableStyleId>
               </a:tblPr>
               <a:tblGrid>
-                <a:gridCol w="1843639"/>
-                <a:gridCol w="1843639"/>
-                <a:gridCol w="1843639"/>
-                <a:gridCol w="1843639"/>
-                <a:gridCol w="1824805"/>
-                <a:gridCol w="1824805"/>
+                <a:gridCol w="1843639">
+                  <a:extLst>
+                    <a:ext uri="{9D8B030D-6E8A-4147-A177-3AD203B41FA5}">
+                      <a16:colId xmlns:a16="http://schemas.microsoft.com/office/drawing/2014/main" val="20000"/>
+                    </a:ext>
+                  </a:extLst>
+                </a:gridCol>
+                <a:gridCol w="1843639">
+                  <a:extLst>
+                    <a:ext uri="{9D8B030D-6E8A-4147-A177-3AD203B41FA5}">
+                      <a16:colId xmlns:a16="http://schemas.microsoft.com/office/drawing/2014/main" val="20001"/>
+                    </a:ext>
+                  </a:extLst>
+                </a:gridCol>
+                <a:gridCol w="1843639">
+                  <a:extLst>
+                    <a:ext uri="{9D8B030D-6E8A-4147-A177-3AD203B41FA5}">
+                      <a16:colId xmlns:a16="http://schemas.microsoft.com/office/drawing/2014/main" val="20002"/>
+                    </a:ext>
+                  </a:extLst>
+                </a:gridCol>
+                <a:gridCol w="1843639">
+                  <a:extLst>
+                    <a:ext uri="{9D8B030D-6E8A-4147-A177-3AD203B41FA5}">
+                      <a16:colId xmlns:a16="http://schemas.microsoft.com/office/drawing/2014/main" val="20003"/>
+                    </a:ext>
+                  </a:extLst>
+                </a:gridCol>
+                <a:gridCol w="1824805">
+                  <a:extLst>
+                    <a:ext uri="{9D8B030D-6E8A-4147-A177-3AD203B41FA5}">
+                      <a16:colId xmlns:a16="http://schemas.microsoft.com/office/drawing/2014/main" val="20004"/>
+                    </a:ext>
+                  </a:extLst>
+                </a:gridCol>
+                <a:gridCol w="1824805">
+                  <a:extLst>
+                    <a:ext uri="{9D8B030D-6E8A-4147-A177-3AD203B41FA5}">
+                      <a16:colId xmlns:a16="http://schemas.microsoft.com/office/drawing/2014/main" val="20005"/>
+                    </a:ext>
+                  </a:extLst>
+                </a:gridCol>
               </a:tblGrid>
               <a:tr h="538206">
                 <a:tc>
@@ -6301,6 +6309,11 @@
                   </a:txBody>
                   <a:tcPr/>
                 </a:tc>
+                <a:extLst>
+                  <a:ext uri="{0D108BD9-81ED-4DB2-BD59-A6C34878D82A}">
+                    <a16:rowId xmlns:a16="http://schemas.microsoft.com/office/drawing/2014/main" val="10000"/>
+                  </a:ext>
+                </a:extLst>
               </a:tr>
               <a:tr h="1424663">
                 <a:tc>
@@ -6313,11 +6326,13 @@
                         <a:buChar char="•"/>
                       </a:pPr>
                       <a:r>
-                        <a:rPr lang="en-GB" sz="1400"/>
+                        <a:rPr lang="en-GB" sz="1400">
+                          <a:latin typeface="Helvetica Neue"/>
+                        </a:rPr>
                         <a:t>POST</a:t>
                       </a:r>
                       <a:endParaRPr lang="en-GB" sz="1400">
-                        <a:latin typeface="Helvetica Neue" charset="0"/>
+                        <a:latin typeface="Helvetica Neue"/>
                         <a:ea typeface="Helvetica Neue" charset="0"/>
                         <a:cs typeface="Helvetica Neue" charset="0"/>
                       </a:endParaRPr>
@@ -6335,7 +6350,9 @@
                         <a:buChar char="•"/>
                       </a:pPr>
                       <a:r>
-                        <a:rPr lang="en-GB" sz="1400"/>
+                        <a:rPr lang="en-GB" sz="1400">
+                          <a:latin typeface="Helvetica Neue"/>
+                        </a:rPr>
                         <a:t>Image: UploadFile</a:t>
                       </a:r>
                     </a:p>
@@ -6345,15 +6362,19 @@
                         <a:buChar char="•"/>
                       </a:pPr>
                       <a:r>
-                        <a:rPr lang="en-GB" sz="1400"/>
+                        <a:rPr lang="en-GB" sz="1400">
+                          <a:latin typeface="Helvetica Neue"/>
+                        </a:rPr>
                         <a:t>True Label:</a:t>
                       </a:r>
                       <a:r>
-                        <a:rPr lang="en-GB" sz="1400" baseline="0"/>
+                        <a:rPr lang="en-GB" sz="1400" baseline="0">
+                          <a:latin typeface="Helvetica Neue"/>
+                        </a:rPr>
                         <a:t> int</a:t>
                       </a:r>
                       <a:endParaRPr lang="en-GB" sz="1400">
-                        <a:latin typeface="Helvetica Neue" charset="0"/>
+                        <a:latin typeface="Helvetica Neue"/>
                         <a:ea typeface="Helvetica Neue" charset="0"/>
                         <a:cs typeface="Helvetica Neue" charset="0"/>
                       </a:endParaRPr>
@@ -6369,6 +6390,7 @@
                       <a:r>
                         <a:rPr lang="it-IT" sz="1200" kern="1200">
                           <a:effectLst/>
+                          <a:latin typeface="Helvetica Neue"/>
                         </a:rPr>
                         <a:t>{</a:t>
                       </a:r>
@@ -6377,30 +6399,34 @@
                       <a:r>
                         <a:rPr lang="it-IT" sz="1200" kern="1200">
                           <a:effectLst/>
-                        </a:rPr>
-                        <a:t>“Filename”: file.filename,</a:t>
+                          <a:latin typeface="Helvetica Neue"/>
+                        </a:rPr>
+                        <a:t>“filename”: file.filename,</a:t>
                       </a:r>
                     </a:p>
                     <a:p>
                       <a:r>
                         <a:rPr lang="it-IT" sz="1200" kern="1200">
                           <a:effectLst/>
-                        </a:rPr>
-                        <a:t>“ID”: id,</a:t>
+                          <a:latin typeface="Helvetica Neue"/>
+                        </a:rPr>
+                        <a:t>“id”: id,</a:t>
                       </a:r>
                     </a:p>
                     <a:p>
                       <a:r>
                         <a:rPr lang="it-IT" sz="1200" kern="1200">
                           <a:effectLst/>
-                        </a:rPr>
-                        <a:t>“Label”:label</a:t>
+                          <a:latin typeface="Helvetica Neue"/>
+                        </a:rPr>
+                        <a:t>“label”:label</a:t>
                       </a:r>
                     </a:p>
                     <a:p>
                       <a:r>
                         <a:rPr lang="it-IT" sz="1200" kern="1200">
                           <a:effectLst/>
+                          <a:latin typeface="Helvetica Neue"/>
                         </a:rPr>
                         <a:t>}</a:t>
                       </a:r>
@@ -6411,7 +6437,7 @@
                         <a:buNone/>
                       </a:pPr>
                       <a:endParaRPr lang="en-GB" sz="1400">
-                        <a:latin typeface="Helvetica Neue" charset="0"/>
+                        <a:latin typeface="Helvetica Neue"/>
                         <a:ea typeface="Helvetica Neue" charset="0"/>
                         <a:cs typeface="Helvetica Neue" charset="0"/>
                       </a:endParaRPr>
@@ -6433,6 +6459,7 @@
                           <a:solidFill>
                             <a:srgbClr val="FF0000"/>
                           </a:solidFill>
+                          <a:latin typeface="Helvetica Neue"/>
                         </a:rPr>
                         <a:t>500 - Internal server error </a:t>
                       </a:r>
@@ -6446,6 +6473,7 @@
                         <a:solidFill>
                           <a:srgbClr val="FF0000"/>
                         </a:solidFill>
+                        <a:latin typeface="Helvetica Neue"/>
                       </a:endParaRPr>
                     </a:p>
                     <a:p>
@@ -6458,6 +6486,7 @@
                           <a:solidFill>
                             <a:srgbClr val="FF0000"/>
                           </a:solidFill>
+                          <a:latin typeface="Helvetica Neue"/>
                         </a:rPr>
                         <a:t>406 – Not</a:t>
                       </a:r>
@@ -6466,6 +6495,7 @@
                           <a:solidFill>
                             <a:srgbClr val="FF0000"/>
                           </a:solidFill>
+                          <a:latin typeface="Helvetica Neue"/>
                         </a:rPr>
                         <a:t> acceptable</a:t>
                       </a:r>
@@ -6473,7 +6503,7 @@
                         <a:solidFill>
                           <a:srgbClr val="FF0000"/>
                         </a:solidFill>
-                        <a:latin typeface="Helvetica Neue" charset="0"/>
+                        <a:latin typeface="Helvetica Neue"/>
                         <a:ea typeface="Helvetica Neue" charset="0"/>
                         <a:cs typeface="Helvetica Neue" charset="0"/>
                       </a:endParaRPr>
@@ -6487,15 +6517,19 @@
                     <a:lstStyle/>
                     <a:p>
                       <a:r>
-                        <a:rPr lang="en-GB" sz="1400"/>
+                        <a:rPr lang="en-GB" sz="1400">
+                          <a:latin typeface="Helvetica Neue"/>
+                        </a:rPr>
                         <a:t>Stores</a:t>
                       </a:r>
                       <a:r>
-                        <a:rPr lang="en-GB" sz="1400" baseline="0"/>
+                        <a:rPr lang="en-GB" sz="1400" baseline="0">
+                          <a:latin typeface="Helvetica Neue"/>
+                        </a:rPr>
                         <a:t> an image with its true label to expand the dataset and reinforce the model.</a:t>
                       </a:r>
                       <a:endParaRPr lang="en-GB" sz="1400">
-                        <a:latin typeface="Helvetica Neue" charset="0"/>
+                        <a:latin typeface="Helvetica Neue"/>
                         <a:ea typeface="Helvetica Neue" charset="0"/>
                         <a:cs typeface="Helvetica Neue" charset="0"/>
                       </a:endParaRPr>
@@ -6513,11 +6547,15 @@
                         <a:buChar char="•"/>
                       </a:pPr>
                       <a:r>
-                        <a:rPr lang="en-GB" sz="1400"/>
+                        <a:rPr lang="en-GB" sz="1400">
+                          <a:latin typeface="Helvetica Neue"/>
+                        </a:rPr>
                         <a:t>Image</a:t>
                       </a:r>
                       <a:r>
-                        <a:rPr lang="en-GB" sz="1400" baseline="0"/>
+                        <a:rPr lang="en-GB" sz="1400" baseline="0">
+                          <a:latin typeface="Helvetica Neue"/>
+                        </a:rPr>
                         <a:t>Validator</a:t>
                       </a:r>
                     </a:p>
@@ -6527,11 +6565,13 @@
                         <a:buChar char="•"/>
                       </a:pPr>
                       <a:r>
-                        <a:rPr lang="en-GB" sz="1400" baseline="0"/>
+                        <a:rPr lang="en-GB" sz="1400" baseline="0">
+                          <a:latin typeface="Helvetica Neue"/>
+                        </a:rPr>
                         <a:t>LabelValidator</a:t>
                       </a:r>
                       <a:endParaRPr lang="en-GB" sz="1400">
-                        <a:latin typeface="Helvetica Neue" charset="0"/>
+                        <a:latin typeface="Helvetica Neue"/>
                         <a:ea typeface="Helvetica Neue" charset="0"/>
                         <a:cs typeface="Helvetica Neue" charset="0"/>
                       </a:endParaRPr>
@@ -6539,6 +6579,11 @@
                   </a:txBody>
                   <a:tcPr/>
                 </a:tc>
+                <a:extLst>
+                  <a:ext uri="{0D108BD9-81ED-4DB2-BD59-A6C34878D82A}">
+                    <a16:rowId xmlns:a16="http://schemas.microsoft.com/office/drawing/2014/main" val="10001"/>
+                  </a:ext>
+                </a:extLst>
               </a:tr>
             </a:tbl>
           </a:graphicData>
@@ -6566,8 +6611,8 @@
         </p:blipFill>
         <p:spPr>
           <a:xfrm>
-            <a:off x="1701658" y="3949846"/>
-            <a:ext cx="8798531" cy="2760766"/>
+            <a:off x="1889198" y="3789991"/>
+            <a:ext cx="7718387" cy="2760766"/>
           </a:xfrm>
           <a:prstGeom prst="rect">
             <a:avLst/>
@@ -6584,13 +6629,9 @@
   <p:clrMapOvr>
     <a:masterClrMapping/>
   </p:clrMapOvr>
-  <p:timing>
-    <p:tnLst>
-      <p:par>
-        <p:cTn id="1" dur="indefinite" restart="never" nodeType="tmRoot"/>
-      </p:par>
-    </p:tnLst>
-  </p:timing>
+  <p:transition spd="slow">
+    <p:push dir="u"/>
+  </p:transition>
 </p:sld>
 </file>
 
@@ -6616,7 +6657,7 @@
           <p:cNvPr id="2" name="Titolo 1">
             <a:extLst>
               <a:ext uri="{FF2B5EF4-FFF2-40B4-BE49-F238E27FC236}">
-                <a16:creationId xmlns:a16="http://schemas.microsoft.com/office/drawing/2014/main" xmlns="" id="{E84D6F7A-C5C5-40C7-0FD8-F1C4CD4F3D65}"/>
+                <a16:creationId xmlns:a16="http://schemas.microsoft.com/office/drawing/2014/main" id="{E84D6F7A-C5C5-40C7-0FD8-F1C4CD4F3D65}"/>
               </a:ext>
             </a:extLst>
           </p:cNvPr>
@@ -6659,7 +6700,7 @@
           <p:cNvPr id="3" name="Segnaposto contenuto 2">
             <a:extLst>
               <a:ext uri="{FF2B5EF4-FFF2-40B4-BE49-F238E27FC236}">
-                <a16:creationId xmlns:a16="http://schemas.microsoft.com/office/drawing/2014/main" xmlns="" id="{BF6317FD-0060-35A3-A9F2-27B937DE131C}"/>
+                <a16:creationId xmlns:a16="http://schemas.microsoft.com/office/drawing/2014/main" id="{BF6317FD-0060-35A3-A9F2-27B937DE131C}"/>
               </a:ext>
             </a:extLst>
           </p:cNvPr>
@@ -6720,7 +6761,7 @@
           <p:nvPr>
             <p:extLst>
               <p:ext uri="{D42A27DB-BD31-4B8C-83A1-F6EECF244321}">
-                <p14:modId xmlns:p14="http://schemas.microsoft.com/office/powerpoint/2010/main" val="1549797254"/>
+                <p14:modId xmlns:p14="http://schemas.microsoft.com/office/powerpoint/2010/main" val="3201582321"/>
               </p:ext>
             </p:extLst>
           </p:nvPr>
@@ -6736,12 +6777,48 @@
                 <a:tableStyleId>{85BE263C-DBD7-4A20-BB59-AAB30ACAA65A}</a:tableStyleId>
               </a:tblPr>
               <a:tblGrid>
-                <a:gridCol w="1719928"/>
-                <a:gridCol w="1719928"/>
-                <a:gridCol w="1719928"/>
-                <a:gridCol w="1719928"/>
-                <a:gridCol w="1702358"/>
-                <a:gridCol w="1702358"/>
+                <a:gridCol w="1719928">
+                  <a:extLst>
+                    <a:ext uri="{9D8B030D-6E8A-4147-A177-3AD203B41FA5}">
+                      <a16:colId xmlns:a16="http://schemas.microsoft.com/office/drawing/2014/main" val="20000"/>
+                    </a:ext>
+                  </a:extLst>
+                </a:gridCol>
+                <a:gridCol w="1719928">
+                  <a:extLst>
+                    <a:ext uri="{9D8B030D-6E8A-4147-A177-3AD203B41FA5}">
+                      <a16:colId xmlns:a16="http://schemas.microsoft.com/office/drawing/2014/main" val="20001"/>
+                    </a:ext>
+                  </a:extLst>
+                </a:gridCol>
+                <a:gridCol w="1719928">
+                  <a:extLst>
+                    <a:ext uri="{9D8B030D-6E8A-4147-A177-3AD203B41FA5}">
+                      <a16:colId xmlns:a16="http://schemas.microsoft.com/office/drawing/2014/main" val="20002"/>
+                    </a:ext>
+                  </a:extLst>
+                </a:gridCol>
+                <a:gridCol w="1719928">
+                  <a:extLst>
+                    <a:ext uri="{9D8B030D-6E8A-4147-A177-3AD203B41FA5}">
+                      <a16:colId xmlns:a16="http://schemas.microsoft.com/office/drawing/2014/main" val="20003"/>
+                    </a:ext>
+                  </a:extLst>
+                </a:gridCol>
+                <a:gridCol w="1702358">
+                  <a:extLst>
+                    <a:ext uri="{9D8B030D-6E8A-4147-A177-3AD203B41FA5}">
+                      <a16:colId xmlns:a16="http://schemas.microsoft.com/office/drawing/2014/main" val="20004"/>
+                    </a:ext>
+                  </a:extLst>
+                </a:gridCol>
+                <a:gridCol w="1702358">
+                  <a:extLst>
+                    <a:ext uri="{9D8B030D-6E8A-4147-A177-3AD203B41FA5}">
+                      <a16:colId xmlns:a16="http://schemas.microsoft.com/office/drawing/2014/main" val="20005"/>
+                    </a:ext>
+                  </a:extLst>
+                </a:gridCol>
               </a:tblGrid>
               <a:tr h="511928">
                 <a:tc>
@@ -6859,6 +6936,11 @@
                   </a:txBody>
                   <a:tcPr/>
                 </a:tc>
+                <a:extLst>
+                  <a:ext uri="{0D108BD9-81ED-4DB2-BD59-A6C34878D82A}">
+                    <a16:rowId xmlns:a16="http://schemas.microsoft.com/office/drawing/2014/main" val="10000"/>
+                  </a:ext>
+                </a:extLst>
               </a:tr>
               <a:tr h="1355103">
                 <a:tc>
@@ -6908,17 +6990,81 @@
                     <a:bodyPr/>
                     <a:lstStyle/>
                     <a:p>
+                      <a:r>
+                        <a:rPr lang="it-IT" sz="1100" kern="1200">
+                          <a:effectLst/>
+                          <a:latin typeface="Helvetica Neue"/>
+                        </a:rPr>
+                        <a:t>{</a:t>
+                      </a:r>
+                    </a:p>
+                    <a:p>
+                      <a:r>
+                        <a:rPr lang="it-IT" sz="1100" kern="1200">
+                          <a:effectLst/>
+                          <a:latin typeface="Helvetica Neue"/>
+                        </a:rPr>
+                        <a:t>“filename”: file.filename,</a:t>
+                      </a:r>
+                    </a:p>
+                    <a:p>
+                      <a:r>
+                        <a:rPr lang="it-IT" sz="1100" kern="1200">
+                          <a:effectLst/>
+                          <a:latin typeface="Helvetica Neue"/>
+                        </a:rPr>
+                        <a:t>“id”: id,</a:t>
+                      </a:r>
+                    </a:p>
+                    <a:p>
+                      <a:r>
+                        <a:rPr lang="it-IT" sz="1100" kern="1200">
+                          <a:effectLst/>
+                          <a:latin typeface="Helvetica Neue"/>
+                        </a:rPr>
+                        <a:t>“label”:label</a:t>
+                      </a:r>
+                    </a:p>
+                    <a:p>
+                      <a:r>
+                        <a:rPr lang="it-IT" sz="1100" kern="1200">
+                          <a:effectLst/>
+                          <a:latin typeface="Helvetica Neue"/>
+                        </a:rPr>
+                        <a:t>}</a:t>
+                      </a:r>
+                    </a:p>
+                    <a:p>
+                      <a:pPr marL="0" indent="0">
+                        <a:buFont typeface="Arial" charset="0"/>
+                        <a:buNone/>
+                      </a:pPr>
+                      <a:endParaRPr lang="en-GB" sz="1400">
+                        <a:latin typeface="Helvetica Neue"/>
+                        <a:ea typeface="Helvetica Neue" charset="0"/>
+                        <a:cs typeface="Helvetica Neue" charset="0"/>
+                      </a:endParaRPr>
+                    </a:p>
+                  </a:txBody>
+                  <a:tcPr/>
+                </a:tc>
+                <a:tc>
+                  <a:txBody>
+                    <a:bodyPr/>
+                    <a:lstStyle/>
+                    <a:p>
                       <a:pPr marL="285750" indent="-285750">
                         <a:buFont typeface="Arial" charset="0"/>
                         <a:buChar char="•"/>
                       </a:pPr>
                       <a:r>
-                        <a:rPr lang="en-GB" sz="1400">
-                          <a:latin typeface="Helvetica Neue" charset="0"/>
-                          <a:ea typeface="Helvetica Neue" charset="0"/>
-                          <a:cs typeface="Helvetica Neue" charset="0"/>
-                        </a:rPr>
-                        <a:t>Filename</a:t>
+                        <a:rPr lang="en-US" sz="1400" dirty="0">
+                          <a:solidFill>
+                            <a:srgbClr val="FF0000"/>
+                          </a:solidFill>
+                          <a:latin typeface="Helvetica Neue"/>
+                        </a:rPr>
+                        <a:t>500 - Internal server error </a:t>
                       </a:r>
                     </a:p>
                     <a:p>
@@ -6926,26 +7072,11 @@
                         <a:buFont typeface="Arial" charset="0"/>
                         <a:buChar char="•"/>
                       </a:pPr>
-                      <a:r>
-                        <a:rPr lang="en-GB" sz="1400">
-                          <a:latin typeface="Helvetica Neue" charset="0"/>
-                          <a:ea typeface="Helvetica Neue" charset="0"/>
-                          <a:cs typeface="Helvetica Neue" charset="0"/>
-                        </a:rPr>
-                        <a:t>Assigned</a:t>
-                      </a:r>
-                      <a:r>
-                        <a:rPr lang="en-GB" sz="1400" baseline="0">
-                          <a:latin typeface="Helvetica Neue" charset="0"/>
-                          <a:ea typeface="Helvetica Neue" charset="0"/>
-                          <a:cs typeface="Helvetica Neue" charset="0"/>
-                        </a:rPr>
-                        <a:t> ID</a:t>
-                      </a:r>
-                      <a:endParaRPr lang="en-GB" sz="1400">
-                        <a:latin typeface="Helvetica Neue" charset="0"/>
-                        <a:ea typeface="Helvetica Neue" charset="0"/>
-                        <a:cs typeface="Helvetica Neue" charset="0"/>
+                      <a:endParaRPr lang="en-US" sz="1400" dirty="0">
+                        <a:solidFill>
+                          <a:srgbClr val="FF0000"/>
+                        </a:solidFill>
+                        <a:latin typeface="Helvetica Neue"/>
                       </a:endParaRPr>
                     </a:p>
                     <a:p>
@@ -6954,13 +7085,31 @@
                         <a:buChar char="•"/>
                       </a:pPr>
                       <a:r>
-                        <a:rPr lang="en-GB" sz="1400">
-                          <a:latin typeface="Helvetica Neue" charset="0"/>
-                          <a:ea typeface="Helvetica Neue" charset="0"/>
-                          <a:cs typeface="Helvetica Neue" charset="0"/>
-                        </a:rPr>
-                        <a:t>Predicted label</a:t>
-                      </a:r>
+                        <a:rPr lang="en-US" sz="1400" dirty="0">
+                          <a:solidFill>
+                            <a:srgbClr val="FF0000"/>
+                          </a:solidFill>
+                          <a:latin typeface="Helvetica Neue"/>
+                        </a:rPr>
+                        <a:t>406 – Not</a:t>
+                      </a:r>
+                      <a:r>
+                        <a:rPr lang="en-US" sz="1400" baseline="0" dirty="0">
+                          <a:solidFill>
+                            <a:srgbClr val="FF0000"/>
+                          </a:solidFill>
+                          <a:latin typeface="Helvetica Neue"/>
+                        </a:rPr>
+                        <a:t> acceptable</a:t>
+                      </a:r>
+                      <a:endParaRPr lang="en-GB" sz="1400">
+                        <a:solidFill>
+                          <a:srgbClr val="FF0000"/>
+                        </a:solidFill>
+                        <a:latin typeface="Helvetica Neue"/>
+                        <a:ea typeface="Helvetica Neue" charset="0"/>
+                        <a:cs typeface="Helvetica Neue" charset="0"/>
+                      </a:endParaRPr>
                     </a:p>
                     <a:p>
                       <a:pPr marL="0" indent="0">
@@ -6981,65 +7130,22 @@
                     <a:bodyPr/>
                     <a:lstStyle/>
                     <a:p>
-                      <a:pPr marL="285750" indent="-285750">
-                        <a:buFont typeface="Arial" charset="0"/>
-                        <a:buChar char="•"/>
-                      </a:pPr>
-                      <a:r>
-                        <a:rPr lang="en-US" sz="1400" dirty="0">
-                          <a:solidFill>
-                            <a:srgbClr val="FF0000"/>
-                          </a:solidFill>
-                        </a:rPr>
-                        <a:t>500 - Internal server error </a:t>
-                      </a:r>
-                    </a:p>
-                    <a:p>
-                      <a:pPr marL="285750" indent="-285750">
-                        <a:buFont typeface="Arial" charset="0"/>
-                        <a:buChar char="•"/>
-                      </a:pPr>
-                      <a:endParaRPr lang="en-US" sz="1400" dirty="0">
-                        <a:solidFill>
-                          <a:srgbClr val="FF0000"/>
-                        </a:solidFill>
-                      </a:endParaRPr>
-                    </a:p>
-                    <a:p>
-                      <a:pPr marL="285750" indent="-285750">
-                        <a:buFont typeface="Arial" charset="0"/>
-                        <a:buChar char="•"/>
-                      </a:pPr>
-                      <a:r>
-                        <a:rPr lang="en-US" sz="1400" dirty="0">
-                          <a:solidFill>
-                            <a:srgbClr val="FF0000"/>
-                          </a:solidFill>
-                        </a:rPr>
-                        <a:t>406 – Not</a:t>
-                      </a:r>
-                      <a:r>
-                        <a:rPr lang="en-US" sz="1400" baseline="0" dirty="0">
-                          <a:solidFill>
-                            <a:srgbClr val="FF0000"/>
-                          </a:solidFill>
-                        </a:rPr>
-                        <a:t> acceptable</a:t>
-                      </a:r>
-                      <a:endParaRPr lang="en-GB" sz="1400">
-                        <a:solidFill>
-                          <a:srgbClr val="FF0000"/>
-                        </a:solidFill>
-                        <a:latin typeface="Helvetica Neue" charset="0"/>
-                        <a:ea typeface="Helvetica Neue" charset="0"/>
-                        <a:cs typeface="Helvetica Neue" charset="0"/>
-                      </a:endParaRPr>
-                    </a:p>
-                    <a:p>
-                      <a:pPr marL="0" indent="0">
-                        <a:buFont typeface="Arial" charset="0"/>
-                        <a:buNone/>
-                      </a:pPr>
+                      <a:r>
+                        <a:rPr lang="en-GB" sz="1400">
+                          <a:latin typeface="Helvetica Neue" charset="0"/>
+                          <a:ea typeface="Helvetica Neue" charset="0"/>
+                          <a:cs typeface="Helvetica Neue" charset="0"/>
+                        </a:rPr>
+                        <a:t>Accepts</a:t>
+                      </a:r>
+                      <a:r>
+                        <a:rPr lang="en-GB" sz="1400" baseline="0">
+                          <a:latin typeface="Helvetica Neue" charset="0"/>
+                          <a:ea typeface="Helvetica Neue" charset="0"/>
+                          <a:cs typeface="Helvetica Neue" charset="0"/>
+                        </a:rPr>
+                        <a:t> an image and performs the classfication task exploiting the pretrained model.</a:t>
+                      </a:r>
                       <a:endParaRPr lang="en-GB" sz="1400">
                         <a:latin typeface="Helvetica Neue" charset="0"/>
                         <a:ea typeface="Helvetica Neue" charset="0"/>
@@ -7054,36 +7160,6 @@
                     <a:bodyPr/>
                     <a:lstStyle/>
                     <a:p>
-                      <a:r>
-                        <a:rPr lang="en-GB" sz="1400">
-                          <a:latin typeface="Helvetica Neue" charset="0"/>
-                          <a:ea typeface="Helvetica Neue" charset="0"/>
-                          <a:cs typeface="Helvetica Neue" charset="0"/>
-                        </a:rPr>
-                        <a:t>Accepts</a:t>
-                      </a:r>
-                      <a:r>
-                        <a:rPr lang="en-GB" sz="1400" baseline="0">
-                          <a:latin typeface="Helvetica Neue" charset="0"/>
-                          <a:ea typeface="Helvetica Neue" charset="0"/>
-                          <a:cs typeface="Helvetica Neue" charset="0"/>
-                        </a:rPr>
-                        <a:t> an image and performs the classfication task exploiting the pretrained model.</a:t>
-                      </a:r>
-                      <a:endParaRPr lang="en-GB" sz="1400">
-                        <a:latin typeface="Helvetica Neue" charset="0"/>
-                        <a:ea typeface="Helvetica Neue" charset="0"/>
-                        <a:cs typeface="Helvetica Neue" charset="0"/>
-                      </a:endParaRPr>
-                    </a:p>
-                  </a:txBody>
-                  <a:tcPr/>
-                </a:tc>
-                <a:tc>
-                  <a:txBody>
-                    <a:bodyPr/>
-                    <a:lstStyle/>
-                    <a:p>
                       <a:pPr marL="285750" indent="-285750">
                         <a:buFont typeface="Arial" charset="0"/>
                         <a:buChar char="•"/>
@@ -7108,6 +7184,11 @@
                   </a:txBody>
                   <a:tcPr/>
                 </a:tc>
+                <a:extLst>
+                  <a:ext uri="{0D108BD9-81ED-4DB2-BD59-A6C34878D82A}">
+                    <a16:rowId xmlns:a16="http://schemas.microsoft.com/office/drawing/2014/main" val="10001"/>
+                  </a:ext>
+                </a:extLst>
               </a:tr>
             </a:tbl>
           </a:graphicData>
@@ -7153,13 +7234,9 @@
   <p:clrMapOvr>
     <a:masterClrMapping/>
   </p:clrMapOvr>
-  <p:timing>
-    <p:tnLst>
-      <p:par>
-        <p:cTn id="1" dur="indefinite" restart="never" nodeType="tmRoot"/>
-      </p:par>
-    </p:tnLst>
-  </p:timing>
+  <p:transition spd="slow">
+    <p:push dir="u"/>
+  </p:transition>
 </p:sld>
 </file>
 
@@ -7185,7 +7262,7 @@
           <p:cNvPr id="2" name="Titolo 1">
             <a:extLst>
               <a:ext uri="{FF2B5EF4-FFF2-40B4-BE49-F238E27FC236}">
-                <a16:creationId xmlns:a16="http://schemas.microsoft.com/office/drawing/2014/main" xmlns="" id="{E84D6F7A-C5C5-40C7-0FD8-F1C4CD4F3D65}"/>
+                <a16:creationId xmlns:a16="http://schemas.microsoft.com/office/drawing/2014/main" id="{E84D6F7A-C5C5-40C7-0FD8-F1C4CD4F3D65}"/>
               </a:ext>
             </a:extLst>
           </p:cNvPr>
@@ -7228,7 +7305,7 @@
           <p:cNvPr id="3" name="Segnaposto contenuto 2">
             <a:extLst>
               <a:ext uri="{FF2B5EF4-FFF2-40B4-BE49-F238E27FC236}">
-                <a16:creationId xmlns:a16="http://schemas.microsoft.com/office/drawing/2014/main" xmlns="" id="{BF6317FD-0060-35A3-A9F2-27B937DE131C}"/>
+                <a16:creationId xmlns:a16="http://schemas.microsoft.com/office/drawing/2014/main" id="{BF6317FD-0060-35A3-A9F2-27B937DE131C}"/>
               </a:ext>
             </a:extLst>
           </p:cNvPr>
@@ -7289,7 +7366,7 @@
           <p:nvPr>
             <p:extLst>
               <p:ext uri="{D42A27DB-BD31-4B8C-83A1-F6EECF244321}">
-                <p14:modId xmlns:p14="http://schemas.microsoft.com/office/powerpoint/2010/main" val="2062538301"/>
+                <p14:modId xmlns:p14="http://schemas.microsoft.com/office/powerpoint/2010/main" val="2498382284"/>
               </p:ext>
             </p:extLst>
           </p:nvPr>
@@ -7305,11 +7382,41 @@
                 <a:tableStyleId>{85BE263C-DBD7-4A20-BB59-AAB30ACAA65A}</a:tableStyleId>
               </a:tblPr>
               <a:tblGrid>
-                <a:gridCol w="2136336"/>
-                <a:gridCol w="2136336"/>
-                <a:gridCol w="2136336"/>
-                <a:gridCol w="2114512"/>
-                <a:gridCol w="2114512"/>
+                <a:gridCol w="2136336">
+                  <a:extLst>
+                    <a:ext uri="{9D8B030D-6E8A-4147-A177-3AD203B41FA5}">
+                      <a16:colId xmlns:a16="http://schemas.microsoft.com/office/drawing/2014/main" val="20000"/>
+                    </a:ext>
+                  </a:extLst>
+                </a:gridCol>
+                <a:gridCol w="2136336">
+                  <a:extLst>
+                    <a:ext uri="{9D8B030D-6E8A-4147-A177-3AD203B41FA5}">
+                      <a16:colId xmlns:a16="http://schemas.microsoft.com/office/drawing/2014/main" val="20001"/>
+                    </a:ext>
+                  </a:extLst>
+                </a:gridCol>
+                <a:gridCol w="2136336">
+                  <a:extLst>
+                    <a:ext uri="{9D8B030D-6E8A-4147-A177-3AD203B41FA5}">
+                      <a16:colId xmlns:a16="http://schemas.microsoft.com/office/drawing/2014/main" val="20002"/>
+                    </a:ext>
+                  </a:extLst>
+                </a:gridCol>
+                <a:gridCol w="2114512">
+                  <a:extLst>
+                    <a:ext uri="{9D8B030D-6E8A-4147-A177-3AD203B41FA5}">
+                      <a16:colId xmlns:a16="http://schemas.microsoft.com/office/drawing/2014/main" val="20003"/>
+                    </a:ext>
+                  </a:extLst>
+                </a:gridCol>
+                <a:gridCol w="2114512">
+                  <a:extLst>
+                    <a:ext uri="{9D8B030D-6E8A-4147-A177-3AD203B41FA5}">
+                      <a16:colId xmlns:a16="http://schemas.microsoft.com/office/drawing/2014/main" val="20004"/>
+                    </a:ext>
+                  </a:extLst>
+                </a:gridCol>
               </a:tblGrid>
               <a:tr h="444523">
                 <a:tc>
@@ -7406,6 +7513,11 @@
                   </a:txBody>
                   <a:tcPr/>
                 </a:tc>
+                <a:extLst>
+                  <a:ext uri="{0D108BD9-81ED-4DB2-BD59-A6C34878D82A}">
+                    <a16:rowId xmlns:a16="http://schemas.microsoft.com/office/drawing/2014/main" val="10000"/>
+                  </a:ext>
+                </a:extLst>
               </a:tr>
               <a:tr h="1057442">
                 <a:tc>
@@ -7418,11 +7530,13 @@
                         <a:buChar char="•"/>
                       </a:pPr>
                       <a:r>
-                        <a:rPr lang="en-GB" sz="1400"/>
+                        <a:rPr lang="en-GB" sz="1400">
+                          <a:latin typeface="Helvetica Neue"/>
+                        </a:rPr>
                         <a:t>PUT</a:t>
                       </a:r>
                       <a:endParaRPr lang="en-GB" sz="1400">
-                        <a:latin typeface="Helvetica Neue" charset="0"/>
+                        <a:latin typeface="Helvetica Neue"/>
                         <a:ea typeface="Helvetica Neue" charset="0"/>
                         <a:cs typeface="Helvetica Neue" charset="0"/>
                       </a:endParaRPr>
@@ -7440,7 +7554,9 @@
                         <a:buChar char="•"/>
                       </a:pPr>
                       <a:r>
-                        <a:rPr lang="en-GB" sz="1400" baseline="0"/>
+                        <a:rPr lang="en-GB" sz="1400" baseline="0">
+                          <a:latin typeface="Helvetica Neue"/>
+                        </a:rPr>
                         <a:t>Image ID: int</a:t>
                       </a:r>
                     </a:p>
@@ -7450,11 +7566,13 @@
                         <a:buChar char="•"/>
                       </a:pPr>
                       <a:r>
-                        <a:rPr lang="en-GB" sz="1400" baseline="0"/>
+                        <a:rPr lang="en-GB" sz="1400" baseline="0">
+                          <a:latin typeface="Helvetica Neue"/>
+                        </a:rPr>
                         <a:t>New label: int</a:t>
                       </a:r>
                       <a:endParaRPr lang="en-GB" sz="1400" baseline="0">
-                        <a:latin typeface="Helvetica Neue" charset="0"/>
+                        <a:latin typeface="Helvetica Neue"/>
                         <a:ea typeface="Helvetica Neue" charset="0"/>
                         <a:cs typeface="Helvetica Neue" charset="0"/>
                       </a:endParaRPr>
@@ -7467,20 +7585,24 @@
                     <a:bodyPr/>
                     <a:lstStyle/>
                     <a:p>
-                      <a:pPr marL="285750" indent="-285750">
+                      <a:pPr marL="0" indent="0">
                         <a:buFont typeface="Arial" charset="0"/>
-                        <a:buChar char="•"/>
+                        <a:buNone/>
                       </a:pPr>
                       <a:r>
-                        <a:rPr lang="en-GB" sz="1400"/>
-                        <a:t>Result:</a:t>
-                      </a:r>
-                      <a:r>
-                        <a:rPr lang="en-GB" sz="1400" baseline="0"/>
-                        <a:t> successful text message</a:t>
+                        <a:rPr lang="en-US" sz="1400" b="0" kern="1200">
+                          <a:solidFill>
+                            <a:schemeClr val="dk1"/>
+                          </a:solidFill>
+                          <a:effectLst/>
+                          <a:latin typeface="Helvetica Neue" charset="0"/>
+                          <a:ea typeface="Helvetica Neue" charset="0"/>
+                          <a:cs typeface="Helvetica Neue" charset="0"/>
+                        </a:rPr>
+                        <a:t>{"result": "ok, new class saved"}</a:t>
                       </a:r>
                       <a:endParaRPr lang="en-GB" sz="1400">
-                        <a:latin typeface="Helvetica Neue" charset="0"/>
+                        <a:latin typeface="Helvetica Neue"/>
                         <a:ea typeface="Helvetica Neue" charset="0"/>
                         <a:cs typeface="Helvetica Neue" charset="0"/>
                       </a:endParaRPr>
@@ -7494,15 +7616,19 @@
                     <a:lstStyle/>
                     <a:p>
                       <a:r>
-                        <a:rPr lang="en-GB" sz="1400"/>
+                        <a:rPr lang="en-GB" sz="1400">
+                          <a:latin typeface="Helvetica Neue"/>
+                        </a:rPr>
                         <a:t>Accepts</a:t>
                       </a:r>
                       <a:r>
-                        <a:rPr lang="en-GB" sz="1400" baseline="0"/>
+                        <a:rPr lang="en-GB" sz="1400" baseline="0">
+                          <a:latin typeface="Helvetica Neue"/>
+                        </a:rPr>
                         <a:t> an image id and changes the corresponding label to the one passed as input.</a:t>
                       </a:r>
                       <a:endParaRPr lang="en-GB" sz="1400">
-                        <a:latin typeface="Helvetica Neue" charset="0"/>
+                        <a:latin typeface="Helvetica Neue"/>
                         <a:ea typeface="Helvetica Neue" charset="0"/>
                         <a:cs typeface="Helvetica Neue" charset="0"/>
                       </a:endParaRPr>
@@ -7520,25 +7646,13 @@
                         <a:buChar char="•"/>
                       </a:pPr>
                       <a:r>
-                        <a:rPr lang="en-GB" sz="1400"/>
-                        <a:t>Image</a:t>
-                      </a:r>
-                      <a:r>
-                        <a:rPr lang="en-GB" sz="1400" baseline="0"/>
-                        <a:t>Validator</a:t>
-                      </a:r>
-                    </a:p>
-                    <a:p>
-                      <a:pPr marL="285750" indent="-285750">
-                        <a:buFont typeface="Arial" charset="0"/>
-                        <a:buChar char="•"/>
-                      </a:pPr>
-                      <a:r>
-                        <a:rPr lang="en-GB" sz="1400" baseline="0"/>
+                        <a:rPr lang="en-GB" sz="1400" baseline="0">
+                          <a:latin typeface="Helvetica Neue"/>
+                        </a:rPr>
                         <a:t>LabelValidator</a:t>
                       </a:r>
                       <a:endParaRPr lang="en-GB" sz="1400">
-                        <a:latin typeface="Helvetica Neue" charset="0"/>
+                        <a:latin typeface="Helvetica Neue"/>
                         <a:ea typeface="Helvetica Neue" charset="0"/>
                         <a:cs typeface="Helvetica Neue" charset="0"/>
                       </a:endParaRPr>
@@ -7546,6 +7660,11 @@
                   </a:txBody>
                   <a:tcPr/>
                 </a:tc>
+                <a:extLst>
+                  <a:ext uri="{0D108BD9-81ED-4DB2-BD59-A6C34878D82A}">
+                    <a16:rowId xmlns:a16="http://schemas.microsoft.com/office/drawing/2014/main" val="10001"/>
+                  </a:ext>
+                </a:extLst>
               </a:tr>
             </a:tbl>
           </a:graphicData>
@@ -7591,13 +7710,9 @@
   <p:clrMapOvr>
     <a:masterClrMapping/>
   </p:clrMapOvr>
-  <p:timing>
-    <p:tnLst>
-      <p:par>
-        <p:cTn id="1" dur="indefinite" restart="never" nodeType="tmRoot"/>
-      </p:par>
-    </p:tnLst>
-  </p:timing>
+  <p:transition spd="slow">
+    <p:push dir="u"/>
+  </p:transition>
 </p:sld>
 </file>
 
@@ -7623,7 +7738,7 @@
           <p:cNvPr id="2" name="Titolo 1">
             <a:extLst>
               <a:ext uri="{FF2B5EF4-FFF2-40B4-BE49-F238E27FC236}">
-                <a16:creationId xmlns:a16="http://schemas.microsoft.com/office/drawing/2014/main" xmlns="" id="{E84D6F7A-C5C5-40C7-0FD8-F1C4CD4F3D65}"/>
+                <a16:creationId xmlns:a16="http://schemas.microsoft.com/office/drawing/2014/main" id="{E84D6F7A-C5C5-40C7-0FD8-F1C4CD4F3D65}"/>
               </a:ext>
             </a:extLst>
           </p:cNvPr>
@@ -7656,20 +7771,7 @@
                 <a:ea typeface="Helvetica Neue" charset="0"/>
                 <a:cs typeface="Helvetica Neue" charset="0"/>
               </a:rPr>
-              <a:t>Testing the endpoints</a:t>
-            </a:r>
-            <a:r>
-              <a:rPr lang="it-IT" b="1" dirty="0">
-                <a:solidFill>
-                  <a:schemeClr val="accent2">
-                    <a:lumMod val="75000"/>
-                  </a:schemeClr>
-                </a:solidFill>
-                <a:latin typeface="Helvetica Neue" charset="0"/>
-                <a:ea typeface="Helvetica Neue" charset="0"/>
-                <a:cs typeface="Helvetica Neue" charset="0"/>
-              </a:rPr>
-              <a:t> </a:t>
+              <a:t>Testing the endpoints </a:t>
             </a:r>
           </a:p>
         </p:txBody>
@@ -7679,7 +7781,7 @@
           <p:cNvPr id="3" name="Segnaposto contenuto 2">
             <a:extLst>
               <a:ext uri="{FF2B5EF4-FFF2-40B4-BE49-F238E27FC236}">
-                <a16:creationId xmlns:a16="http://schemas.microsoft.com/office/drawing/2014/main" xmlns="" id="{BF6317FD-0060-35A3-A9F2-27B937DE131C}"/>
+                <a16:creationId xmlns:a16="http://schemas.microsoft.com/office/drawing/2014/main" id="{BF6317FD-0060-35A3-A9F2-27B937DE131C}"/>
               </a:ext>
             </a:extLst>
           </p:cNvPr>
@@ -7740,7 +7842,7 @@
           <p:nvPr>
             <p:extLst>
               <p:ext uri="{D42A27DB-BD31-4B8C-83A1-F6EECF244321}">
-                <p14:modId xmlns:p14="http://schemas.microsoft.com/office/powerpoint/2010/main" val="163426282"/>
+                <p14:modId xmlns:p14="http://schemas.microsoft.com/office/powerpoint/2010/main" val="1219878688"/>
               </p:ext>
             </p:extLst>
           </p:nvPr>
@@ -7756,10 +7858,34 @@
                 <a:tableStyleId>{85BE263C-DBD7-4A20-BB59-AAB30ACAA65A}</a:tableStyleId>
               </a:tblPr>
               <a:tblGrid>
-                <a:gridCol w="2625685"/>
-                <a:gridCol w="2598863"/>
-                <a:gridCol w="2598863"/>
-                <a:gridCol w="2598863"/>
+                <a:gridCol w="2625685">
+                  <a:extLst>
+                    <a:ext uri="{9D8B030D-6E8A-4147-A177-3AD203B41FA5}">
+                      <a16:colId xmlns:a16="http://schemas.microsoft.com/office/drawing/2014/main" val="20000"/>
+                    </a:ext>
+                  </a:extLst>
+                </a:gridCol>
+                <a:gridCol w="2598863">
+                  <a:extLst>
+                    <a:ext uri="{9D8B030D-6E8A-4147-A177-3AD203B41FA5}">
+                      <a16:colId xmlns:a16="http://schemas.microsoft.com/office/drawing/2014/main" val="20001"/>
+                    </a:ext>
+                  </a:extLst>
+                </a:gridCol>
+                <a:gridCol w="2598863">
+                  <a:extLst>
+                    <a:ext uri="{9D8B030D-6E8A-4147-A177-3AD203B41FA5}">
+                      <a16:colId xmlns:a16="http://schemas.microsoft.com/office/drawing/2014/main" val="20002"/>
+                    </a:ext>
+                  </a:extLst>
+                </a:gridCol>
+                <a:gridCol w="2598863">
+                  <a:extLst>
+                    <a:ext uri="{9D8B030D-6E8A-4147-A177-3AD203B41FA5}">
+                      <a16:colId xmlns:a16="http://schemas.microsoft.com/office/drawing/2014/main" val="20003"/>
+                    </a:ext>
+                  </a:extLst>
+                </a:gridCol>
               </a:tblGrid>
               <a:tr h="390260">
                 <a:tc>
@@ -7830,6 +7956,11 @@
                   </a:txBody>
                   <a:tcPr/>
                 </a:tc>
+                <a:extLst>
+                  <a:ext uri="{0D108BD9-81ED-4DB2-BD59-A6C34878D82A}">
+                    <a16:rowId xmlns:a16="http://schemas.microsoft.com/office/drawing/2014/main" val="10000"/>
+                  </a:ext>
+                </a:extLst>
               </a:tr>
               <a:tr h="1315145">
                 <a:tc>
@@ -8043,6 +8174,11 @@
                   </a:txBody>
                   <a:tcPr/>
                 </a:tc>
+                <a:extLst>
+                  <a:ext uri="{0D108BD9-81ED-4DB2-BD59-A6C34878D82A}">
+                    <a16:rowId xmlns:a16="http://schemas.microsoft.com/office/drawing/2014/main" val="10001"/>
+                  </a:ext>
+                </a:extLst>
               </a:tr>
               <a:tr h="1315145">
                 <a:tc>
@@ -8223,6 +8359,11 @@
                   </a:txBody>
                   <a:tcPr/>
                 </a:tc>
+                <a:extLst>
+                  <a:ext uri="{0D108BD9-81ED-4DB2-BD59-A6C34878D82A}">
+                    <a16:rowId xmlns:a16="http://schemas.microsoft.com/office/drawing/2014/main" val="10002"/>
+                  </a:ext>
+                </a:extLst>
               </a:tr>
               <a:tr h="1315145">
                 <a:tc>
@@ -8316,7 +8457,7 @@
                           <a:ea typeface="Helvetica Neue" charset="0"/>
                           <a:cs typeface="Helvetica Neue" charset="0"/>
                         </a:rPr>
-                        <a:t> response is an error message when a erroneous file is given.</a:t>
+                        <a:t> response is an error when a non valid class id is given.</a:t>
                       </a:r>
                       <a:endParaRPr lang="en-GB" sz="1200">
                         <a:latin typeface="Helvetica Neue" charset="0"/>
@@ -8380,6 +8521,11 @@
                   </a:txBody>
                   <a:tcPr/>
                 </a:tc>
+                <a:extLst>
+                  <a:ext uri="{0D108BD9-81ED-4DB2-BD59-A6C34878D82A}">
+                    <a16:rowId xmlns:a16="http://schemas.microsoft.com/office/drawing/2014/main" val="10003"/>
+                  </a:ext>
+                </a:extLst>
               </a:tr>
             </a:tbl>
           </a:graphicData>
@@ -8395,13 +8541,9 @@
   <p:clrMapOvr>
     <a:masterClrMapping/>
   </p:clrMapOvr>
-  <p:timing>
-    <p:tnLst>
-      <p:par>
-        <p:cTn id="1" dur="indefinite" restart="never" nodeType="tmRoot"/>
-      </p:par>
-    </p:tnLst>
-  </p:timing>
+  <p:transition spd="slow">
+    <p:push dir="u"/>
+  </p:transition>
 </p:sld>
 </file>
 
@@ -8427,7 +8569,7 @@
           <p:cNvPr id="2" name="Titolo 1">
             <a:extLst>
               <a:ext uri="{FF2B5EF4-FFF2-40B4-BE49-F238E27FC236}">
-                <a16:creationId xmlns:a16="http://schemas.microsoft.com/office/drawing/2014/main" xmlns="" id="{E84D6F7A-C5C5-40C7-0FD8-F1C4CD4F3D65}"/>
+                <a16:creationId xmlns:a16="http://schemas.microsoft.com/office/drawing/2014/main" id="{E84D6F7A-C5C5-40C7-0FD8-F1C4CD4F3D65}"/>
               </a:ext>
             </a:extLst>
           </p:cNvPr>
@@ -8460,20 +8602,7 @@
                 <a:ea typeface="Helvetica Neue" charset="0"/>
                 <a:cs typeface="Helvetica Neue" charset="0"/>
               </a:rPr>
-              <a:t>Testing the endpoints</a:t>
-            </a:r>
-            <a:r>
-              <a:rPr lang="it-IT" b="1" dirty="0">
-                <a:solidFill>
-                  <a:schemeClr val="accent2">
-                    <a:lumMod val="75000"/>
-                  </a:schemeClr>
-                </a:solidFill>
-                <a:latin typeface="Helvetica Neue" charset="0"/>
-                <a:ea typeface="Helvetica Neue" charset="0"/>
-                <a:cs typeface="Helvetica Neue" charset="0"/>
-              </a:rPr>
-              <a:t> </a:t>
+              <a:t>Testing the endpoints </a:t>
             </a:r>
           </a:p>
         </p:txBody>
@@ -8483,7 +8612,7 @@
           <p:cNvPr id="3" name="Segnaposto contenuto 2">
             <a:extLst>
               <a:ext uri="{FF2B5EF4-FFF2-40B4-BE49-F238E27FC236}">
-                <a16:creationId xmlns:a16="http://schemas.microsoft.com/office/drawing/2014/main" xmlns="" id="{BF6317FD-0060-35A3-A9F2-27B937DE131C}"/>
+                <a16:creationId xmlns:a16="http://schemas.microsoft.com/office/drawing/2014/main" id="{BF6317FD-0060-35A3-A9F2-27B937DE131C}"/>
               </a:ext>
             </a:extLst>
           </p:cNvPr>
@@ -8560,10 +8689,34 @@
                 <a:tableStyleId>{85BE263C-DBD7-4A20-BB59-AAB30ACAA65A}</a:tableStyleId>
               </a:tblPr>
               <a:tblGrid>
-                <a:gridCol w="2731809"/>
-                <a:gridCol w="2703902"/>
-                <a:gridCol w="2703902"/>
-                <a:gridCol w="2703902"/>
+                <a:gridCol w="2731809">
+                  <a:extLst>
+                    <a:ext uri="{9D8B030D-6E8A-4147-A177-3AD203B41FA5}">
+                      <a16:colId xmlns:a16="http://schemas.microsoft.com/office/drawing/2014/main" val="20000"/>
+                    </a:ext>
+                  </a:extLst>
+                </a:gridCol>
+                <a:gridCol w="2703902">
+                  <a:extLst>
+                    <a:ext uri="{9D8B030D-6E8A-4147-A177-3AD203B41FA5}">
+                      <a16:colId xmlns:a16="http://schemas.microsoft.com/office/drawing/2014/main" val="20001"/>
+                    </a:ext>
+                  </a:extLst>
+                </a:gridCol>
+                <a:gridCol w="2703902">
+                  <a:extLst>
+                    <a:ext uri="{9D8B030D-6E8A-4147-A177-3AD203B41FA5}">
+                      <a16:colId xmlns:a16="http://schemas.microsoft.com/office/drawing/2014/main" val="20002"/>
+                    </a:ext>
+                  </a:extLst>
+                </a:gridCol>
+                <a:gridCol w="2703902">
+                  <a:extLst>
+                    <a:ext uri="{9D8B030D-6E8A-4147-A177-3AD203B41FA5}">
+                      <a16:colId xmlns:a16="http://schemas.microsoft.com/office/drawing/2014/main" val="20003"/>
+                    </a:ext>
+                  </a:extLst>
+                </a:gridCol>
               </a:tblGrid>
               <a:tr h="391587">
                 <a:tc>
@@ -8634,6 +8787,11 @@
                   </a:txBody>
                   <a:tcPr/>
                 </a:tc>
+                <a:extLst>
+                  <a:ext uri="{0D108BD9-81ED-4DB2-BD59-A6C34878D82A}">
+                    <a16:rowId xmlns:a16="http://schemas.microsoft.com/office/drawing/2014/main" val="10000"/>
+                  </a:ext>
+                </a:extLst>
               </a:tr>
               <a:tr h="1319618">
                 <a:tc>
@@ -8878,6 +9036,11 @@
                   </a:txBody>
                   <a:tcPr/>
                 </a:tc>
+                <a:extLst>
+                  <a:ext uri="{0D108BD9-81ED-4DB2-BD59-A6C34878D82A}">
+                    <a16:rowId xmlns:a16="http://schemas.microsoft.com/office/drawing/2014/main" val="10001"/>
+                  </a:ext>
+                </a:extLst>
               </a:tr>
               <a:tr h="1319618">
                 <a:tc>
@@ -9141,6 +9304,11 @@
                   </a:txBody>
                   <a:tcPr/>
                 </a:tc>
+                <a:extLst>
+                  <a:ext uri="{0D108BD9-81ED-4DB2-BD59-A6C34878D82A}">
+                    <a16:rowId xmlns:a16="http://schemas.microsoft.com/office/drawing/2014/main" val="10002"/>
+                  </a:ext>
+                </a:extLst>
               </a:tr>
             </a:tbl>
           </a:graphicData>
@@ -9156,13 +9324,9 @@
   <p:clrMapOvr>
     <a:masterClrMapping/>
   </p:clrMapOvr>
-  <p:timing>
-    <p:tnLst>
-      <p:par>
-        <p:cTn id="1" dur="indefinite" restart="never" nodeType="tmRoot"/>
-      </p:par>
-    </p:tnLst>
-  </p:timing>
+  <p:transition spd="slow">
+    <p:push dir="u"/>
+  </p:transition>
 </p:sld>
 </file>
 
